--- a/PhaseA/Phase A - Presentation.pptx
+++ b/PhaseA/Phase A - Presentation.pptx
@@ -154,9 +154,13 @@
 <file path=ppt/revisionInfo.xml><?xml version="1.0" encoding="utf-8"?>
 <p1510:revInfo xmlns:a="http://schemas.openxmlformats.org/drawingml/2006/main" xmlns:r="http://schemas.openxmlformats.org/officeDocument/2006/relationships" xmlns:p1510="http://schemas.microsoft.com/office/powerpoint/2015/10/main">
   <p1510:revLst>
+    <p1510:client id="{111C6D4E-6A58-C60F-E2F2-C6C6FDF77535}" v="43" dt="2025-02-03T19:18:08.757"/>
     <p1510:client id="{3D337E25-1CF4-8748-58EA-743C918528F0}" v="20" dt="2025-02-03T13:11:50.636"/>
     <p1510:client id="{5C0BD5DA-B84E-5466-9A1D-A95828311B37}" v="1" dt="2025-02-03T15:36:23.949"/>
+    <p1510:client id="{7E07299B-3527-482B-AAAE-0478EE6142AC}" v="58" dt="2025-02-03T18:09:11.199"/>
     <p1510:client id="{917F33B1-D308-84F0-C65F-964F265A683B}" v="1" dt="2025-02-03T10:43:43.046"/>
+    <p1510:client id="{9D939AB4-2515-4870-870E-8185B62D04F2}" v="1" dt="2025-02-03T18:09:18.788"/>
+    <p1510:client id="{DF1D08EE-471B-68C7-FBE6-551BD7FF60E5}" v="21" dt="2025-02-03T18:04:57.727"/>
   </p1510:revLst>
 </p1510:revInfo>
 </file>
@@ -4130,7 +4134,7 @@
             </a:lnSpc>
           </a:pPr>
           <a:r>
-            <a:rPr lang="en-US" b="0" dirty="0">
+            <a:rPr lang="en-US" b="0">
               <a:latin typeface="Abadi" panose="020B0604020104020204" pitchFamily="34" charset="0"/>
             </a:rPr>
             <a:t>Digital Forensic</a:t>
@@ -4216,7 +4220,7 @@
             </a:lnSpc>
           </a:pPr>
           <a:r>
-            <a:rPr lang="en-US" b="0" dirty="0">
+            <a:rPr lang="en-US" b="0">
               <a:latin typeface="Abadi" panose="020B0604020104020204" pitchFamily="34" charset="0"/>
             </a:rPr>
             <a:t>Text Analysis Applications</a:t>
@@ -4259,7 +4263,7 @@
             </a:lnSpc>
           </a:pPr>
           <a:r>
-            <a:rPr lang="en-US" b="0" dirty="0">
+            <a:rPr lang="en-US" b="0">
               <a:latin typeface="Abadi" panose="020B0604020104020204" pitchFamily="34" charset="0"/>
             </a:rPr>
             <a:t>Determining issues of doubtful authorship</a:t>
@@ -4862,17 +4866,17 @@
             <a:defRPr b="1"/>
           </a:pPr>
           <a:r>
-            <a:rPr lang="en-US" dirty="0"/>
+            <a:rPr lang="en-US"/>
             <a:t>State-of-the-art Neural Network</a:t>
           </a:r>
           <a:br>
-            <a:rPr lang="en-US" dirty="0"/>
+            <a:rPr lang="en-US"/>
           </a:br>
           <a:br>
-            <a:rPr lang="en-US" dirty="0"/>
+            <a:rPr lang="en-US"/>
           </a:br>
           <a:r>
-            <a:rPr lang="en-US" b="0" dirty="0"/>
+            <a:rPr lang="en-US" b="0"/>
             <a:t>Siamese Networks</a:t>
           </a:r>
         </a:p>
@@ -4914,21 +4918,21 @@
             <a:defRPr b="1"/>
           </a:pPr>
           <a:r>
-            <a:rPr lang="en-US" dirty="0"/>
+            <a:rPr lang="en-US"/>
             <a:t>Innovative Adversarial Training Technique</a:t>
           </a:r>
           <a:br>
-            <a:rPr lang="en-US" dirty="0"/>
+            <a:rPr lang="en-US"/>
           </a:br>
           <a:br>
-            <a:rPr lang="en-US" dirty="0"/>
+            <a:rPr lang="en-US"/>
           </a:br>
           <a:r>
-            <a:rPr lang="en-US" dirty="0"/>
+            <a:rPr lang="en-US"/>
             <a:t> </a:t>
           </a:r>
           <a:r>
-            <a:rPr lang="en-US" b="0" dirty="0"/>
+            <a:rPr lang="en-US" b="0"/>
             <a:t>Impostor Projections</a:t>
           </a:r>
         </a:p>
@@ -5018,7 +5022,7 @@
             </a:lnSpc>
           </a:pPr>
           <a:r>
-            <a:rPr lang="en-US" sz="1400" b="0" dirty="0"/>
+            <a:rPr lang="en-US" sz="1400" b="0"/>
             <a:t>Signal Construction</a:t>
           </a:r>
         </a:p>
@@ -5141,7 +5145,7 @@
             </a:lnSpc>
           </a:pPr>
           <a:r>
-            <a:rPr lang="en-US" sz="1400" b="0" dirty="0"/>
+            <a:rPr lang="en-US" sz="1400" b="0"/>
             <a:t>K-Medoids Clustering Algorithm</a:t>
           </a:r>
         </a:p>
@@ -5611,7 +5615,7 @@
             <a:buNone/>
           </a:pPr>
           <a:r>
-            <a:rPr lang="en-US" sz="1500" b="0" kern="1200" dirty="0">
+            <a:rPr lang="en-US" sz="1500" b="0" kern="1200">
               <a:latin typeface="Abadi" panose="020B0604020104020204" pitchFamily="34" charset="0"/>
             </a:rPr>
             <a:t>Digital Forensic</a:t>
@@ -5917,7 +5921,7 @@
             <a:buNone/>
           </a:pPr>
           <a:r>
-            <a:rPr lang="en-US" sz="1500" b="0" kern="1200" dirty="0">
+            <a:rPr lang="en-US" sz="1500" b="0" kern="1200">
               <a:latin typeface="Abadi" panose="020B0604020104020204" pitchFamily="34" charset="0"/>
             </a:rPr>
             <a:t>Text Analysis Applications</a:t>
@@ -6069,7 +6073,7 @@
             <a:buNone/>
           </a:pPr>
           <a:r>
-            <a:rPr lang="en-US" sz="1500" b="0" kern="1200" dirty="0">
+            <a:rPr lang="en-US" sz="1500" b="0" kern="1200">
               <a:latin typeface="Abadi" panose="020B0604020104020204" pitchFamily="34" charset="0"/>
             </a:rPr>
             <a:t>Determining issues of doubtful authorship</a:t>
@@ -6620,17 +6624,17 @@
             <a:defRPr b="1"/>
           </a:pPr>
           <a:r>
-            <a:rPr lang="en-US" sz="1400" kern="1200" dirty="0"/>
+            <a:rPr lang="en-US" sz="1400" kern="1200"/>
             <a:t>State-of-the-art Neural Network</a:t>
           </a:r>
           <a:br>
-            <a:rPr lang="en-US" sz="1400" kern="1200" dirty="0"/>
+            <a:rPr lang="en-US" sz="1400" kern="1200"/>
           </a:br>
           <a:br>
-            <a:rPr lang="en-US" sz="1400" kern="1200" dirty="0"/>
+            <a:rPr lang="en-US" sz="1400" kern="1200"/>
           </a:br>
           <a:r>
-            <a:rPr lang="en-US" sz="1400" b="0" kern="1200" dirty="0"/>
+            <a:rPr lang="en-US" sz="1400" b="0" kern="1200"/>
             <a:t>Siamese Networks</a:t>
           </a:r>
         </a:p>
@@ -6779,21 +6783,21 @@
             <a:defRPr b="1"/>
           </a:pPr>
           <a:r>
-            <a:rPr lang="en-US" sz="1400" kern="1200" dirty="0"/>
+            <a:rPr lang="en-US" sz="1400" kern="1200"/>
             <a:t>Innovative Adversarial Training Technique</a:t>
           </a:r>
           <a:br>
-            <a:rPr lang="en-US" sz="1400" kern="1200" dirty="0"/>
+            <a:rPr lang="en-US" sz="1400" kern="1200"/>
           </a:br>
           <a:br>
-            <a:rPr lang="en-US" sz="1400" kern="1200" dirty="0"/>
+            <a:rPr lang="en-US" sz="1400" kern="1200"/>
           </a:br>
           <a:r>
-            <a:rPr lang="en-US" sz="1400" kern="1200" dirty="0"/>
+            <a:rPr lang="en-US" sz="1400" kern="1200"/>
             <a:t> </a:t>
           </a:r>
           <a:r>
-            <a:rPr lang="en-US" sz="1400" b="0" kern="1200" dirty="0"/>
+            <a:rPr lang="en-US" sz="1400" b="0" kern="1200"/>
             <a:t>Impostor Projections</a:t>
           </a:r>
         </a:p>
@@ -7009,7 +7013,7 @@
             <a:buNone/>
           </a:pPr>
           <a:r>
-            <a:rPr lang="en-US" sz="1400" b="0" kern="1200" dirty="0"/>
+            <a:rPr lang="en-US" sz="1400" b="0" kern="1200"/>
             <a:t>Signal Construction</a:t>
           </a:r>
         </a:p>
@@ -7063,7 +7067,7 @@
             <a:buNone/>
           </a:pPr>
           <a:r>
-            <a:rPr lang="en-US" sz="1400" b="0" kern="1200" dirty="0"/>
+            <a:rPr lang="en-US" sz="1400" b="0" kern="1200"/>
             <a:t>K-Medoids Clustering Algorithm</a:t>
           </a:r>
         </a:p>
@@ -14256,14 +14260,14 @@
               </a:lnSpc>
             </a:pPr>
             <a:r>
-              <a:rPr lang="en-US" b="1" dirty="0"/>
+              <a:rPr lang="en-US" b="1"/>
               <a:t>Digital Forensics Importance: </a:t>
             </a:r>
             <a:r>
-              <a:rPr lang="en-US" dirty="0"/>
+              <a:rPr lang="en-US"/>
               <a:t>Authorship verification ensures integrity in digital forensics by validating the origin of electronic documents.</a:t>
             </a:r>
-            <a:endParaRPr lang="he-IL" dirty="0"/>
+            <a:endParaRPr lang="he-IL"/>
           </a:p>
           <a:p>
             <a:pPr lvl="0">
@@ -14271,7 +14275,7 @@
                 <a:spcPct val="100000"/>
               </a:lnSpc>
             </a:pPr>
-            <a:endParaRPr lang="he-IL" dirty="0"/>
+            <a:endParaRPr lang="he-IL"/>
           </a:p>
           <a:p>
             <a:pPr marL="0" marR="0" lvl="0" indent="0" algn="l" defTabSz="914400" rtl="0" eaLnBrk="1" fontAlgn="auto" latinLnBrk="0" hangingPunct="1">
@@ -14292,11 +14296,11 @@
               <a:defRPr/>
             </a:pPr>
             <a:r>
-              <a:rPr lang="en-US" b="1" dirty="0"/>
+              <a:rPr lang="en-US" b="1"/>
               <a:t>Academic Integrity Maintenance: </a:t>
             </a:r>
             <a:r>
-              <a:rPr lang="en-US" dirty="0"/>
+              <a:rPr lang="en-US"/>
               <a:t>It upholds academic integrity by confirming authorship, thereby preventing plagiarism and fraudulent practices.</a:t>
             </a:r>
           </a:p>
@@ -14306,7 +14310,7 @@
                 <a:spcPct val="100000"/>
               </a:lnSpc>
             </a:pPr>
-            <a:endParaRPr lang="he-IL" dirty="0"/>
+            <a:endParaRPr lang="he-IL"/>
           </a:p>
           <a:p>
             <a:pPr marL="0" marR="0" lvl="0" indent="0" algn="l" defTabSz="914400" rtl="0" eaLnBrk="1" fontAlgn="auto" latinLnBrk="0" hangingPunct="1">
@@ -14327,11 +14331,11 @@
               <a:defRPr/>
             </a:pPr>
             <a:r>
-              <a:rPr lang="en-US" b="1" dirty="0"/>
+              <a:rPr lang="en-US" b="1"/>
               <a:t>Text Analysis Applications: </a:t>
             </a:r>
             <a:r>
-              <a:rPr lang="en-US" dirty="0"/>
+              <a:rPr lang="en-US"/>
               <a:t>In text analysis, it enhances credibility through accurate attribution, benefiting linguistic and stylistic research.</a:t>
             </a:r>
           </a:p>
@@ -14353,7 +14357,7 @@
               <a:tabLst/>
               <a:defRPr/>
             </a:pPr>
-            <a:endParaRPr lang="en-US" dirty="0"/>
+            <a:endParaRPr lang="en-US"/>
           </a:p>
           <a:p>
             <a:pPr marL="0" marR="0" lvl="0" indent="0" algn="l" defTabSz="914400" rtl="0" eaLnBrk="1" fontAlgn="auto" latinLnBrk="0" hangingPunct="1">
@@ -14374,7 +14378,7 @@
               <a:defRPr/>
             </a:pPr>
             <a:r>
-              <a:rPr lang="en-US" b="1" i="0" dirty="0">
+              <a:rPr lang="en-US" b="1" i="0">
                 <a:solidFill>
                   <a:srgbClr val="202122"/>
                 </a:solidFill>
@@ -14384,7 +14388,7 @@
               <a:t>The</a:t>
             </a:r>
             <a:r>
-              <a:rPr lang="en-US" b="0" i="0" dirty="0">
+              <a:rPr lang="en-US" b="0" i="0">
                 <a:solidFill>
                   <a:srgbClr val="202122"/>
                 </a:solidFill>
@@ -14394,7 +14398,7 @@
               <a:t> </a:t>
             </a:r>
             <a:r>
-              <a:rPr lang="en-US" b="1" i="0" dirty="0">
+              <a:rPr lang="en-US" b="1" i="0">
                 <a:solidFill>
                   <a:srgbClr val="202122"/>
                 </a:solidFill>
@@ -14404,7 +14408,7 @@
               <a:t>Shakespeare Apocrypha</a:t>
             </a:r>
             <a:r>
-              <a:rPr lang="en-US" b="0" i="0" dirty="0">
+              <a:rPr lang="en-US" b="0" i="0">
                 <a:solidFill>
                   <a:srgbClr val="202122"/>
                 </a:solidFill>
@@ -14414,7 +14418,7 @@
               <a:t> is a group of plays and poems that have sometimes been attributed to </a:t>
             </a:r>
             <a:r>
-              <a:rPr lang="en-US" b="0" i="0" u="none" strike="noStrike" dirty="0">
+              <a:rPr lang="en-US" b="0" i="0" u="none" strike="noStrike">
                 <a:effectLst/>
                 <a:latin typeface="Arial" panose="020B0604020202020204" pitchFamily="34" charset="0"/>
                 <a:hlinkClick r:id="rId3" tooltip="William Shakespeare"/>
@@ -14422,7 +14426,7 @@
               <a:t>William Shakespeare</a:t>
             </a:r>
             <a:r>
-              <a:rPr lang="en-US" b="0" i="0" dirty="0">
+              <a:rPr lang="en-US" b="0" i="0">
                 <a:solidFill>
                   <a:srgbClr val="202122"/>
                 </a:solidFill>
@@ -14431,7 +14435,7 @@
               </a:rPr>
               <a:t>, but whose attribution is questionable for various reasons.</a:t>
             </a:r>
-            <a:endParaRPr lang="en-US" dirty="0"/>
+            <a:endParaRPr lang="en-US"/>
           </a:p>
         </p:txBody>
       </p:sp>
@@ -14520,7 +14524,7 @@
               <a:buChar char="•"/>
             </a:pPr>
             <a:r>
-              <a:rPr lang="en-US" sz="1800" b="0" i="0" u="none" strike="noStrike" dirty="0">
+              <a:rPr lang="en-US" sz="1800" b="0" i="0" u="none" strike="noStrike">
                 <a:solidFill>
                   <a:srgbClr val="000000"/>
                 </a:solidFill>
@@ -14536,7 +14540,7 @@
               <a:buChar char="•"/>
             </a:pPr>
             <a:r>
-              <a:rPr lang="en-US" sz="1800" b="0" i="0" u="none" strike="noStrike" dirty="0">
+              <a:rPr lang="en-US" sz="1800" b="0" i="0" u="none" strike="noStrike">
                 <a:solidFill>
                   <a:srgbClr val="000000"/>
                 </a:solidFill>
@@ -14552,7 +14556,7 @@
               <a:buChar char="•"/>
             </a:pPr>
             <a:r>
-              <a:rPr lang="en-US" sz="1800" b="0" i="0" u="none" strike="noStrike" dirty="0">
+              <a:rPr lang="en-US" sz="1800" b="0" i="0" u="none" strike="noStrike">
                 <a:solidFill>
                   <a:srgbClr val="000000"/>
                 </a:solidFill>
@@ -14568,7 +14572,7 @@
               <a:buChar char="•"/>
             </a:pPr>
             <a:r>
-              <a:rPr lang="en-US" sz="1800" b="0" i="0" u="none" strike="noStrike" dirty="0">
+              <a:rPr lang="en-US" sz="1800" b="0" i="0" u="none" strike="noStrike">
                 <a:solidFill>
                   <a:srgbClr val="000000"/>
                 </a:solidFill>
@@ -14584,7 +14588,7 @@
               <a:buChar char="•"/>
             </a:pPr>
             <a:r>
-              <a:rPr lang="en-US" sz="1800" b="0" i="0" u="none" strike="noStrike" dirty="0">
+              <a:rPr lang="en-US" sz="1800" b="0" i="0" u="none" strike="noStrike">
                 <a:solidFill>
                   <a:srgbClr val="000000"/>
                 </a:solidFill>
@@ -14596,7 +14600,7 @@
           </a:p>
           <a:p>
             <a:r>
-              <a:rPr lang="en-US" sz="1800" b="1" i="0" u="none" strike="noStrike" dirty="0">
+              <a:rPr lang="en-US" sz="1800" b="1" i="0" u="none" strike="noStrike">
                 <a:solidFill>
                   <a:srgbClr val="000000"/>
                 </a:solidFill>
@@ -14608,7 +14612,7 @@
           </a:p>
           <a:p>
             <a:r>
-              <a:rPr lang="en-US" sz="1800" b="1" i="0" u="none" strike="noStrike" dirty="0">
+              <a:rPr lang="en-US" sz="1800" b="1" i="0" u="none" strike="noStrike">
                 <a:solidFill>
                   <a:srgbClr val="000000"/>
                 </a:solidFill>
@@ -14618,7 +14622,7 @@
               <a:t>BERT </a:t>
             </a:r>
             <a:r>
-              <a:rPr lang="en-US" sz="1800" b="0" i="0" u="none" strike="noStrike" dirty="0">
+              <a:rPr lang="en-US" sz="1800" b="0" i="0" u="none" strike="noStrike">
                 <a:solidFill>
                   <a:srgbClr val="000000"/>
                 </a:solidFill>
@@ -14628,7 +14632,7 @@
               <a:t>stands for </a:t>
             </a:r>
             <a:r>
-              <a:rPr lang="en-US" sz="1800" b="1" i="0" u="none" strike="noStrike" dirty="0">
+              <a:rPr lang="en-US" sz="1800" b="1" i="0" u="none" strike="noStrike">
                 <a:solidFill>
                   <a:srgbClr val="000000"/>
                 </a:solidFill>
@@ -14640,11 +14644,11 @@
           </a:p>
           <a:p>
             <a:r>
-              <a:rPr lang="en-US" sz="1200" b="1" dirty="0"/>
+              <a:rPr lang="en-US" sz="1200" b="1"/>
               <a:t>Contextual Embeddings: </a:t>
             </a:r>
             <a:r>
-              <a:rPr lang="en-US" sz="1200" dirty="0"/>
+              <a:rPr lang="en-US" sz="1200"/>
               <a:t>Pre-trained BERT generates contextual embeddings, capturing nuanced semantic relationships crucial for authorship analysis.</a:t>
             </a:r>
           </a:p>
@@ -14667,7 +14671,7 @@
               <a:defRPr/>
             </a:pPr>
             <a:r>
-              <a:rPr lang="en-US" sz="1200" b="0" i="0" u="none" strike="noStrike" dirty="0">
+              <a:rPr lang="en-US" sz="1200" b="0" i="0" u="none" strike="noStrike">
                 <a:solidFill>
                   <a:srgbClr val="000000"/>
                 </a:solidFill>
@@ -14676,38 +14680,38 @@
               </a:rPr>
               <a:t>A way to represent words as vectors in the multi-dimensional space where the distance and direction between vectors reflect similarity and relationships among the corresponding words.</a:t>
             </a:r>
-            <a:endParaRPr lang="en-US" sz="1000" b="1" dirty="0"/>
-          </a:p>
-          <a:p>
-            <a:endParaRPr lang="en-US" sz="1200" dirty="0"/>
-          </a:p>
-          <a:p>
-            <a:r>
-              <a:rPr lang="en-US" sz="1200" b="1" dirty="0"/>
+            <a:endParaRPr lang="en-US" sz="1000" b="1"/>
+          </a:p>
+          <a:p>
+            <a:endParaRPr lang="en-US" sz="1200"/>
+          </a:p>
+          <a:p>
+            <a:r>
+              <a:rPr lang="en-US" sz="1200" b="1"/>
               <a:t>Improved Semantic Understanding: </a:t>
             </a:r>
             <a:r>
-              <a:rPr lang="en-US" sz="1200" dirty="0"/>
+              <a:rPr lang="en-US" sz="1200"/>
               <a:t>BERT's architecture allows for deep semantic understanding by considering left and right contexts of every token in every sentence, thus enhancing the model's ability to differentiate author styles.</a:t>
             </a:r>
           </a:p>
           <a:p>
             <a:r>
-              <a:rPr lang="en-US" sz="1200" b="1" dirty="0"/>
+              <a:rPr lang="en-US" sz="1200" b="1"/>
               <a:t>Transfer Learning Benefits: </a:t>
             </a:r>
             <a:r>
-              <a:rPr lang="en-US" sz="1200" dirty="0"/>
+              <a:rPr lang="en-US" sz="1200"/>
               <a:t>Utilizing BERT leverages transfer learning, adapting prior knowledge to improve performance in specific authorship tasks.</a:t>
             </a:r>
           </a:p>
           <a:p>
             <a:r>
-              <a:rPr lang="en-US" b="1" dirty="0"/>
+              <a:rPr lang="en-US" b="1"/>
               <a:t>Supervised Fine-Tuning: </a:t>
             </a:r>
             <a:r>
-              <a:rPr lang="en-US" sz="1800" b="0" i="0" u="none" strike="noStrike" dirty="0">
+              <a:rPr lang="en-US" sz="1800" b="0" i="0" u="none" strike="noStrike">
                 <a:solidFill>
                   <a:srgbClr val="000000"/>
                 </a:solidFill>
@@ -14719,7 +14723,7 @@
           </a:p>
           <a:p>
             <a:r>
-              <a:rPr lang="en-US" sz="1800" b="1" i="0" u="none" strike="noStrike" dirty="0">
+              <a:rPr lang="en-US" sz="1800" b="1" i="0" u="none" strike="noStrike">
                 <a:solidFill>
                   <a:srgbClr val="000000"/>
                 </a:solidFill>
@@ -14729,7 +14733,7 @@
               <a:t>Optimizable using AdamW:</a:t>
             </a:r>
             <a:r>
-              <a:rPr lang="en-US" sz="1800" b="0" i="0" u="none" strike="noStrike" dirty="0">
+              <a:rPr lang="en-US" sz="1800" b="0" i="0" u="none" strike="noStrike">
                 <a:solidFill>
                   <a:srgbClr val="000000"/>
                 </a:solidFill>
@@ -14740,7 +14744,7 @@
             </a:r>
           </a:p>
           <a:p>
-            <a:endParaRPr lang="en-US" sz="1800" b="0" i="0" u="none" strike="noStrike" dirty="0">
+            <a:endParaRPr lang="en-US" sz="1800" b="0" i="0" u="none" strike="noStrike">
               <a:solidFill>
                 <a:srgbClr val="000000"/>
               </a:solidFill>
@@ -14750,7 +14754,7 @@
           </a:p>
           <a:p>
             <a:r>
-              <a:rPr lang="en-US" sz="1800" b="1" i="0" u="sng" strike="noStrike" dirty="0">
+              <a:rPr lang="en-US" sz="1800" b="1" i="0" u="sng" strike="noStrike">
                 <a:solidFill>
                   <a:srgbClr val="000000"/>
                 </a:solidFill>
@@ -14759,7 +14763,7 @@
               </a:rPr>
               <a:t>Assuming that the language has been relatively unchanged</a:t>
             </a:r>
-            <a:endParaRPr lang="en-US" b="1" u="sng" dirty="0"/>
+            <a:endParaRPr lang="en-US" b="1" u="sng"/>
           </a:p>
         </p:txBody>
       </p:sp>
@@ -14780,7 +14784,7 @@
           <a:p>
             <a:fld id="{1E9018E3-F371-4868-B708-55B0EBDFCDB1}" type="slidenum">
               <a:rPr lang="he-IL" smtClean="0"/>
-              <a:t>10</a:t>
+              <a:t>11</a:t>
             </a:fld>
             <a:endParaRPr lang="he-IL"/>
           </a:p>
@@ -14861,7 +14865,7 @@
               <a:defRPr/>
             </a:pPr>
             <a:r>
-              <a:rPr lang="en-US" sz="1200" b="0" dirty="0"/>
+              <a:rPr lang="en-US" sz="1200" b="0"/>
               <a:t>Once embedding are generated, we refine them for better feature retention.</a:t>
             </a:r>
           </a:p>
@@ -14884,7 +14888,7 @@
               <a:defRPr/>
             </a:pPr>
             <a:r>
-              <a:rPr lang="en-US" sz="1200" b="0" dirty="0"/>
+              <a:rPr lang="en-US" sz="1200" b="0"/>
               <a:t>A hybrid model using CNN and Bi-LSTM enhances the embedding.</a:t>
             </a:r>
           </a:p>
@@ -14907,7 +14911,7 @@
               <a:defRPr/>
             </a:pPr>
             <a:r>
-              <a:rPr lang="en-US" sz="1200" b="0" dirty="0"/>
+              <a:rPr lang="en-US" sz="1200" b="0"/>
               <a:t>CNN captures local lexical patterns, while Bi-LSTM retains sequential dependencies in text.</a:t>
             </a:r>
           </a:p>
@@ -14930,7 +14934,7 @@
               <a:defRPr/>
             </a:pPr>
             <a:r>
-              <a:rPr lang="en-US" sz="1200" b="0" dirty="0"/>
+              <a:rPr lang="en-US" sz="1200" b="0"/>
               <a:t>This combination provides richer representations and improves temporal awareness.</a:t>
             </a:r>
           </a:p>
@@ -14953,7 +14957,7 @@
               <a:defRPr/>
             </a:pPr>
             <a:r>
-              <a:rPr lang="en-US" sz="1200" b="1" i="0" u="none" strike="noStrike" dirty="0">
+              <a:rPr lang="en-US" sz="1200" b="1" i="0" u="none" strike="noStrike">
                 <a:solidFill>
                   <a:srgbClr val="000000"/>
                 </a:solidFill>
@@ -14962,7 +14966,7 @@
               </a:rPr>
               <a:t>------------------------------------------------------------------------------</a:t>
             </a:r>
-            <a:endParaRPr lang="en-US" sz="1200" b="1" dirty="0"/>
+            <a:endParaRPr lang="en-US" sz="1200" b="1"/>
           </a:p>
           <a:p>
             <a:pPr marL="0" marR="0" lvl="0" indent="0" algn="l" defTabSz="914400" rtl="0" eaLnBrk="1" fontAlgn="auto" latinLnBrk="0" hangingPunct="1">
@@ -14983,11 +14987,11 @@
               <a:defRPr/>
             </a:pPr>
             <a:r>
-              <a:rPr lang="en-US" sz="1200" b="1" dirty="0"/>
+              <a:rPr lang="en-US" sz="1200" b="1"/>
               <a:t>CNN Feature Extraction: </a:t>
             </a:r>
             <a:r>
-              <a:rPr lang="en-US" sz="1200" dirty="0"/>
+              <a:rPr lang="en-US" sz="1200"/>
               <a:t>Convolutional Neural Networks efficiently extract local features, capturing intricate stylistic elements in authorship verification.</a:t>
             </a:r>
           </a:p>
@@ -15010,7 +15014,7 @@
               <a:defRPr/>
             </a:pPr>
             <a:r>
-              <a:rPr lang="en-US" sz="1800" b="0" i="0" u="none" strike="noStrike" dirty="0">
+              <a:rPr lang="en-US" sz="1800" b="0" i="0" u="none" strike="noStrike">
                 <a:solidFill>
                   <a:srgbClr val="000000"/>
                 </a:solidFill>
@@ -15040,7 +15044,7 @@
               <a:defRPr/>
             </a:pPr>
             <a:r>
-              <a:rPr lang="en-US" sz="1800" b="0" i="0" u="none" strike="noStrike" dirty="0">
+              <a:rPr lang="en-US" sz="1800" b="0" i="0" u="none" strike="noStrike">
                 <a:solidFill>
                   <a:srgbClr val="000000"/>
                 </a:solidFill>
@@ -15051,13 +15055,13 @@
               <a:t>features.</a:t>
             </a:r>
             <a:br>
-              <a:rPr lang="en-US" sz="1800" b="0" i="0" u="none" strike="noStrike" dirty="0">
+              <a:rPr lang="en-US" sz="1800" b="0" i="0" u="none" strike="noStrike">
                 <a:effectLst/>
                 <a:latin typeface="Arial" panose="020B0604020202020204" pitchFamily="34" charset="0"/>
                 <a:cs typeface="Arial"/>
               </a:rPr>
             </a:br>
-            <a:endParaRPr lang="en-US" sz="1200" dirty="0"/>
+            <a:endParaRPr lang="en-US" sz="1200"/>
           </a:p>
           <a:p>
             <a:pPr marL="0" marR="0" lvl="0" indent="0" algn="l" defTabSz="914400" rtl="0" eaLnBrk="1" fontAlgn="auto" latinLnBrk="0" hangingPunct="1">
@@ -15078,15 +15082,15 @@
               <a:defRPr/>
             </a:pPr>
             <a:r>
-              <a:rPr lang="en-US" sz="1200" b="1" dirty="0"/>
+              <a:rPr lang="en-US" sz="1200" b="1"/>
               <a:t>BiLSTM Sequential Modeling: </a:t>
             </a:r>
             <a:r>
-              <a:rPr lang="en-US" sz="1200" dirty="0"/>
+              <a:rPr lang="en-US" sz="1200"/>
               <a:t>Bidirectional LSTM incorporates these localized features with past and future context, enhancing text analysis with temporal dependency awareness, thus obtaining </a:t>
             </a:r>
             <a:r>
-              <a:rPr lang="en-US" sz="1800" b="0" i="0" u="none" strike="noStrike" dirty="0">
+              <a:rPr lang="en-US" sz="1800" b="0" i="0" u="none" strike="noStrike">
                 <a:solidFill>
                   <a:srgbClr val="000000"/>
                 </a:solidFill>
@@ -15115,7 +15119,7 @@
               <a:tabLst/>
               <a:defRPr/>
             </a:pPr>
-            <a:endParaRPr lang="en-US" sz="1200" dirty="0"/>
+            <a:endParaRPr lang="en-US" sz="1200"/>
           </a:p>
           <a:p>
             <a:pPr marL="0" marR="0" lvl="0" indent="0" algn="l" defTabSz="914400" rtl="0" eaLnBrk="1" fontAlgn="auto" latinLnBrk="0" hangingPunct="1">
@@ -15136,17 +15140,17 @@
               <a:defRPr/>
             </a:pPr>
             <a:r>
-              <a:rPr lang="en-US" b="1" dirty="0"/>
+              <a:rPr lang="en-US" b="1"/>
               <a:t>Hybrid Model Advantages: </a:t>
             </a:r>
             <a:r>
-              <a:rPr lang="en-US" dirty="0"/>
+              <a:rPr lang="en-US"/>
               <a:t>Combining CNN and BiLSTM leverages strengths of both, improving robustness and adaptability in verification tasks.</a:t>
             </a:r>
           </a:p>
           <a:p>
             <a:r>
-              <a:rPr lang="en-US" sz="1800" b="0" i="0" u="none" strike="noStrike" dirty="0">
+              <a:rPr lang="en-US" sz="1800" b="0" i="0" u="none" strike="noStrike">
                 <a:solidFill>
                   <a:srgbClr val="000000"/>
                 </a:solidFill>
@@ -15176,7 +15180,7 @@
               <a:defRPr/>
             </a:pPr>
             <a:r>
-              <a:rPr lang="en-US" sz="2800" b="0" i="0" u="none" strike="noStrike" dirty="0">
+              <a:rPr lang="en-US" sz="2800" b="0" i="0" u="none" strike="noStrike">
                 <a:solidFill>
                   <a:srgbClr val="000000"/>
                 </a:solidFill>
@@ -15187,7 +15191,7 @@
               <a:t>* </a:t>
             </a:r>
             <a:r>
-              <a:rPr lang="en-US" sz="1800" b="0" i="0" u="none" strike="noStrike" dirty="0">
+              <a:rPr lang="en-US" sz="1800" b="0" i="0" u="none" strike="noStrike">
                 <a:solidFill>
                   <a:srgbClr val="000000"/>
                 </a:solidFill>
@@ -15200,7 +15204,7 @@
           </a:p>
           <a:p>
             <a:r>
-              <a:rPr lang="en-US" sz="1800" b="0" i="0" u="none" strike="noStrike" dirty="0" err="1">
+              <a:rPr lang="en-US" sz="1800" b="0" i="0" u="none" strike="noStrike" err="1">
                 <a:solidFill>
                   <a:srgbClr val="000000"/>
                 </a:solidFill>
@@ -15211,7 +15215,7 @@
               <a:t>BiLSTMs</a:t>
             </a:r>
             <a:r>
-              <a:rPr lang="en-US" sz="1800" b="0" i="0" u="none" strike="noStrike" dirty="0">
+              <a:rPr lang="en-US" sz="1800" b="0" i="0" u="none" strike="noStrike">
                 <a:solidFill>
                   <a:srgbClr val="000000"/>
                 </a:solidFill>
@@ -15223,7 +15227,7 @@
             </a:r>
           </a:p>
           <a:p>
-            <a:endParaRPr lang="en-US" sz="1800" dirty="0">
+            <a:endParaRPr lang="en-US" sz="1800">
               <a:solidFill>
                 <a:srgbClr val="000000"/>
               </a:solidFill>
@@ -15233,7 +15237,7 @@
           </a:p>
           <a:p>
             <a:r>
-              <a:rPr lang="en-US" sz="1800" b="1" u="sng" dirty="0">
+              <a:rPr lang="en-US" sz="1800" b="1" u="sng">
                 <a:solidFill>
                   <a:srgbClr val="000000"/>
                 </a:solidFill>
@@ -15243,7 +15247,7 @@
               <a:t>The </a:t>
             </a:r>
             <a:r>
-              <a:rPr lang="en-US" sz="1800" b="1" u="sng" dirty="0" err="1">
+              <a:rPr lang="en-US" sz="1800" b="1" u="sng" err="1">
                 <a:solidFill>
                   <a:srgbClr val="000000"/>
                 </a:solidFill>
@@ -15253,7 +15257,7 @@
               <a:t>softmax</a:t>
             </a:r>
             <a:r>
-              <a:rPr lang="en-US" sz="1800" b="1" u="sng" dirty="0">
+              <a:rPr lang="en-US" sz="1800" b="1" u="sng">
                 <a:solidFill>
                   <a:srgbClr val="000000"/>
                 </a:solidFill>
@@ -15265,7 +15269,7 @@
           </a:p>
           <a:p>
             <a:r>
-              <a:rPr lang="en-US" dirty="0">
+              <a:rPr lang="en-US">
                 <a:solidFill>
                   <a:srgbClr val="000000"/>
                 </a:solidFill>
@@ -15273,7 +15277,7 @@
               <a:t>Instead of a strict </a:t>
             </a:r>
             <a:r>
-              <a:rPr lang="en-US" b="1" dirty="0">
+              <a:rPr lang="en-US" b="1">
                 <a:solidFill>
                   <a:srgbClr val="000000"/>
                 </a:solidFill>
@@ -15281,7 +15285,7 @@
               <a:t>probability distribution</a:t>
             </a:r>
             <a:r>
-              <a:rPr lang="en-US" dirty="0">
+              <a:rPr lang="en-US">
                 <a:solidFill>
                   <a:srgbClr val="000000"/>
                 </a:solidFill>
@@ -15289,7 +15293,7 @@
               <a:t> (as in </a:t>
             </a:r>
             <a:r>
-              <a:rPr lang="en-US" dirty="0" err="1">
+              <a:rPr lang="en-US" err="1">
                 <a:solidFill>
                   <a:srgbClr val="000000"/>
                 </a:solidFill>
@@ -15297,7 +15301,7 @@
               <a:t>softmax</a:t>
             </a:r>
             <a:r>
-              <a:rPr lang="en-US" dirty="0">
+              <a:rPr lang="en-US">
                 <a:solidFill>
                   <a:srgbClr val="000000"/>
                 </a:solidFill>
@@ -15305,7 +15309,7 @@
               <a:t>, where outputs sum to 1), the output vector in a fuzzy system reflects </a:t>
             </a:r>
             <a:r>
-              <a:rPr lang="en-US" b="1" dirty="0">
+              <a:rPr lang="en-US" b="1">
                 <a:solidFill>
                   <a:srgbClr val="000000"/>
                 </a:solidFill>
@@ -15313,14 +15317,14 @@
               <a:t>how strongly the input belongs to each class</a:t>
             </a:r>
             <a:r>
-              <a:rPr lang="en-US" dirty="0">
+              <a:rPr lang="en-US">
                 <a:solidFill>
                   <a:srgbClr val="000000"/>
                 </a:solidFill>
               </a:rPr>
               <a:t>, without requiring normalization to 1.</a:t>
             </a:r>
-            <a:endParaRPr lang="en-US" dirty="0"/>
+            <a:endParaRPr lang="en-US"/>
           </a:p>
         </p:txBody>
       </p:sp>
@@ -15341,7 +15345,7 @@
           <a:p>
             <a:fld id="{1E9018E3-F371-4868-B708-55B0EBDFCDB1}" type="slidenum">
               <a:rPr lang="he-IL" smtClean="0"/>
-              <a:t>11</a:t>
+              <a:t>12</a:t>
             </a:fld>
             <a:endParaRPr lang="he-IL"/>
           </a:p>
@@ -15422,7 +15426,7 @@
               <a:defRPr/>
             </a:pPr>
             <a:r>
-              <a:rPr lang="en-US" sz="1200" b="0" dirty="0"/>
+              <a:rPr lang="en-US" sz="1200" b="0"/>
               <a:t>Siamese networks are ideal for comparing text pairs.</a:t>
             </a:r>
           </a:p>
@@ -15445,7 +15449,7 @@
               <a:defRPr/>
             </a:pPr>
             <a:r>
-              <a:rPr lang="en-US" sz="1200" b="0" dirty="0"/>
+              <a:rPr lang="en-US" sz="1200" b="0"/>
               <a:t>They learn to minimize or maximize distances between embeddings, allowing them to determine similarity.</a:t>
             </a:r>
           </a:p>
@@ -15468,7 +15472,7 @@
               <a:defRPr/>
             </a:pPr>
             <a:r>
-              <a:rPr lang="en-US" sz="1200" b="0" dirty="0"/>
+              <a:rPr lang="en-US" sz="1200" b="0"/>
               <a:t>These networks generalize well to unseen text pairs, making them robust for authorship verification.</a:t>
             </a:r>
           </a:p>
@@ -15491,7 +15495,7 @@
               <a:defRPr/>
             </a:pPr>
             <a:r>
-              <a:rPr lang="en-US" sz="1200" b="0" dirty="0"/>
+              <a:rPr lang="en-US" sz="1200" b="0"/>
               <a:t>We optimize using binary cross-entropy loss, ensuring better differentiation between similar and different texts.</a:t>
             </a:r>
           </a:p>
@@ -15514,7 +15518,7 @@
               <a:defRPr/>
             </a:pPr>
             <a:r>
-              <a:rPr lang="en-US" sz="1200" b="1" i="0" u="none" strike="noStrike" dirty="0">
+              <a:rPr lang="en-US" sz="1200" b="1" i="0" u="none" strike="noStrike">
                 <a:solidFill>
                   <a:srgbClr val="000000"/>
                 </a:solidFill>
@@ -15523,7 +15527,7 @@
               </a:rPr>
               <a:t>------------------------------------------------------------------------------</a:t>
             </a:r>
-            <a:endParaRPr lang="en-US" sz="1200" b="1" dirty="0"/>
+            <a:endParaRPr lang="en-US" sz="1200" b="1"/>
           </a:p>
           <a:p>
             <a:pPr marL="0" marR="0" lvl="0" indent="0" algn="l" defTabSz="914400" rtl="0" eaLnBrk="1" fontAlgn="auto" latinLnBrk="0" hangingPunct="1">
@@ -15544,11 +15548,11 @@
               <a:defRPr/>
             </a:pPr>
             <a:r>
-              <a:rPr lang="en-US" sz="1200" b="1" dirty="0"/>
+              <a:rPr lang="en-US" sz="1200" b="1"/>
               <a:t>Siamese Networks Overview: </a:t>
             </a:r>
             <a:r>
-              <a:rPr lang="en-US" sz="1200" dirty="0"/>
+              <a:rPr lang="en-US" sz="1200"/>
               <a:t>Siamese networks utilize shared weights, ensuring consistent representation for effective similarity scoring of text pairs.</a:t>
             </a:r>
           </a:p>
@@ -15571,11 +15575,11 @@
               <a:defRPr/>
             </a:pPr>
             <a:r>
-              <a:rPr lang="en-US" sz="1200" b="1" dirty="0"/>
+              <a:rPr lang="en-US" sz="1200" b="1"/>
               <a:t>Pairwise Similarity Scoring: </a:t>
             </a:r>
             <a:r>
-              <a:rPr lang="en-US" sz="1200" dirty="0"/>
+              <a:rPr lang="en-US" sz="1200"/>
               <a:t>These networks compute pairwise similarities efficiently, optimizing the assessment of authorial correspondence between texts.</a:t>
             </a:r>
           </a:p>
@@ -15598,16 +15602,16 @@
               <a:defRPr/>
             </a:pPr>
             <a:r>
-              <a:rPr lang="en-US" sz="1200" b="1" dirty="0"/>
+              <a:rPr lang="en-US" sz="1200" b="1"/>
               <a:t>Enhanced Robustness: </a:t>
             </a:r>
             <a:r>
-              <a:rPr lang="en-US" sz="1200" dirty="0"/>
+              <a:rPr lang="en-US" sz="1200"/>
               <a:t>Shared weights in Siamese networks bolster robustness against data variability, improving performance across diverse authorship scenarios.</a:t>
             </a:r>
           </a:p>
           <a:p>
-            <a:endParaRPr lang="LID4096" dirty="0"/>
+            <a:endParaRPr lang="LID4096"/>
           </a:p>
         </p:txBody>
       </p:sp>
@@ -15628,7 +15632,7 @@
           <a:p>
             <a:fld id="{1E9018E3-F371-4868-B708-55B0EBDFCDB1}" type="slidenum">
               <a:rPr lang="he-IL" smtClean="0"/>
-              <a:t>12</a:t>
+              <a:t>13</a:t>
             </a:fld>
             <a:endParaRPr lang="he-IL"/>
           </a:p>
@@ -15709,7 +15713,7 @@
               <a:defRPr/>
             </a:pPr>
             <a:r>
-              <a:rPr lang="en-US" sz="1200" b="0" dirty="0"/>
+              <a:rPr lang="en-US" sz="1200" b="0"/>
               <a:t>DTW is a sequence alignment algorithm that accounts for variations in writing style and structure.</a:t>
             </a:r>
           </a:p>
@@ -15732,7 +15736,7 @@
               <a:defRPr/>
             </a:pPr>
             <a:r>
-              <a:rPr lang="en-US" sz="1200" b="0" dirty="0"/>
+              <a:rPr lang="en-US" sz="1200" b="0"/>
               <a:t>It aligns sequences temporally, making it robust against noisy or fragmented data.</a:t>
             </a:r>
           </a:p>
@@ -15755,7 +15759,7 @@
               <a:defRPr/>
             </a:pPr>
             <a:r>
-              <a:rPr lang="en-US" sz="1200" b="0" dirty="0"/>
+              <a:rPr lang="en-US" sz="1200" b="0"/>
               <a:t>Our focus is on the distance matrix, which helps evaluate how similar two time-series representations of texts are.</a:t>
             </a:r>
           </a:p>
@@ -15778,7 +15782,7 @@
               <a:defRPr/>
             </a:pPr>
             <a:r>
-              <a:rPr lang="en-US" sz="1200" b="1" i="0" u="none" strike="noStrike" dirty="0">
+              <a:rPr lang="en-US" sz="1200" b="1" i="0" u="none" strike="noStrike">
                 <a:solidFill>
                   <a:srgbClr val="000000"/>
                 </a:solidFill>
@@ -15787,7 +15791,7 @@
               </a:rPr>
               <a:t>------------------------------------------------------------------------------</a:t>
             </a:r>
-            <a:endParaRPr lang="en-US" sz="1200" b="1" dirty="0"/>
+            <a:endParaRPr lang="en-US" sz="1200" b="1"/>
           </a:p>
           <a:p>
             <a:pPr marL="0" marR="0" lvl="0" indent="0" algn="l" defTabSz="914400" rtl="0" eaLnBrk="1" fontAlgn="auto" latinLnBrk="0" hangingPunct="1">
@@ -15808,14 +15812,14 @@
               <a:defRPr/>
             </a:pPr>
             <a:r>
-              <a:rPr lang="en-US" sz="1200" b="1" dirty="0"/>
+              <a:rPr lang="en-US" sz="1200" b="1"/>
               <a:t>Dynamic Time Warping Introduction: </a:t>
             </a:r>
             <a:r>
-              <a:rPr lang="en-US" sz="1200" dirty="0"/>
+              <a:rPr lang="en-US" sz="1200"/>
               <a:t>Dynamic Time Warping (DTW) aligns text sequences dynamically, enabling more accurate assessment of writing styles.</a:t>
             </a:r>
-            <a:endParaRPr lang="en-US" sz="1200" b="1" dirty="0"/>
+            <a:endParaRPr lang="en-US" sz="1200" b="1"/>
           </a:p>
           <a:p>
             <a:pPr algn="just" rtl="0">
@@ -15827,7 +15831,7 @@
               </a:spcAft>
             </a:pPr>
             <a:r>
-              <a:rPr lang="en-US" sz="1800" b="0" i="0" u="none" strike="noStrike" dirty="0">
+              <a:rPr lang="en-US" sz="1800" b="0" i="0" u="none" strike="noStrike">
                 <a:solidFill>
                   <a:srgbClr val="000000"/>
                 </a:solidFill>
@@ -15836,20 +15840,20 @@
               </a:rPr>
               <a:t>widely-used sequence alignment algorithm, originally developed for applications like speech recognition and time-series analysis. It has since been adapted for text analysis tasks, including authorship verification, where it excels in aligning sequences of varying lengths or styles.</a:t>
             </a:r>
-            <a:endParaRPr lang="en-US" b="0" dirty="0">
+            <a:endParaRPr lang="en-US" b="0">
               <a:effectLst/>
             </a:endParaRPr>
           </a:p>
           <a:p>
             <a:br>
-              <a:rPr lang="en-US" dirty="0"/>
+              <a:rPr lang="en-US"/>
             </a:br>
             <a:r>
-              <a:rPr lang="en-US" sz="1200" b="1" dirty="0"/>
+              <a:rPr lang="en-US" sz="1200" b="1"/>
               <a:t>Role in Stylistic Analysis: </a:t>
             </a:r>
             <a:r>
-              <a:rPr lang="en-US" sz="1200" dirty="0"/>
+              <a:rPr lang="en-US" sz="1200"/>
               <a:t>DTW facilitates nuanced stylistic analysis by accounting for variations in writing rhythm and structure.</a:t>
             </a:r>
           </a:p>
@@ -15872,11 +15876,11 @@
               <a:defRPr/>
             </a:pPr>
             <a:r>
-              <a:rPr lang="en-US" sz="1200" b="1" dirty="0"/>
+              <a:rPr lang="en-US" sz="1200" b="1"/>
               <a:t>Temporal Alignment Importance: </a:t>
             </a:r>
             <a:r>
-              <a:rPr lang="en-US" sz="1200" dirty="0"/>
+              <a:rPr lang="en-US" sz="1200"/>
               <a:t>Utilizing temporal alignment helps improve the authorship verification process across diverse linguistic constructs.</a:t>
             </a:r>
           </a:p>
@@ -15899,7 +15903,7 @@
               <a:defRPr/>
             </a:pPr>
             <a:r>
-              <a:rPr lang="en-US" sz="1800" b="0" i="0" u="none" strike="noStrike" dirty="0">
+              <a:rPr lang="en-US" sz="1800" b="0" i="0" u="none" strike="noStrike">
                 <a:solidFill>
                   <a:srgbClr val="000000"/>
                 </a:solidFill>
@@ -15908,10 +15912,10 @@
               </a:rPr>
               <a:t> It aligns signals along different temporal scales, allowing both local and global stylistic congruence to be analyzed in depth</a:t>
             </a:r>
-            <a:endParaRPr lang="en-US" sz="1200" dirty="0"/>
-          </a:p>
-          <a:p>
-            <a:endParaRPr lang="LID4096" dirty="0"/>
+            <a:endParaRPr lang="en-US" sz="1200"/>
+          </a:p>
+          <a:p>
+            <a:endParaRPr lang="LID4096"/>
           </a:p>
         </p:txBody>
       </p:sp>
@@ -15932,7 +15936,7 @@
           <a:p>
             <a:fld id="{1E9018E3-F371-4868-B708-55B0EBDFCDB1}" type="slidenum">
               <a:rPr lang="he-IL" smtClean="0"/>
-              <a:t>13</a:t>
+              <a:t>14</a:t>
             </a:fld>
             <a:endParaRPr lang="he-IL"/>
           </a:p>
@@ -16002,7 +16006,7 @@
                   <a:buChar char="•"/>
                 </a:pPr>
                 <a:r>
-                  <a:rPr lang="en-US" sz="1200" b="0" dirty="0"/>
+                  <a:rPr lang="en-US" sz="1200" b="0"/>
                   <a:t>Anomaly detection helps identify outliers in writing styles.</a:t>
                 </a:r>
               </a:p>
@@ -16012,7 +16016,7 @@
                   <a:buChar char="•"/>
                 </a:pPr>
                 <a:r>
-                  <a:rPr lang="en-US" sz="1200" b="0" dirty="0"/>
+                  <a:rPr lang="en-US" sz="1200" b="0"/>
                   <a:t>We use the Isolation Forest algorithm, which isolates anomalies effectively.</a:t>
                 </a:r>
               </a:p>
@@ -16022,13 +16026,13 @@
                   <a:buChar char="•"/>
                 </a:pPr>
                 <a:r>
-                  <a:rPr lang="en-US" sz="1200" b="0" dirty="0"/>
+                  <a:rPr lang="en-US" sz="1200" b="0"/>
                   <a:t>By detecting significant deviations in writing patterns, we can determine if a document truly belongs to an author.</a:t>
                 </a:r>
               </a:p>
               <a:p>
                 <a:r>
-                  <a:rPr lang="en-US" sz="1200" b="1" i="0" u="none" strike="noStrike" dirty="0">
+                  <a:rPr lang="en-US" sz="1200" b="1" i="0" u="none" strike="noStrike">
                     <a:solidFill>
                       <a:srgbClr val="000000"/>
                     </a:solidFill>
@@ -16037,21 +16041,21 @@
                   </a:rPr>
                   <a:t>------------------------------------------------------------------------------</a:t>
                 </a:r>
-                <a:endParaRPr lang="en-US" sz="1200" b="1" dirty="0"/>
+                <a:endParaRPr lang="en-US" sz="1200" b="1"/>
               </a:p>
               <a:p>
                 <a:r>
-                  <a:rPr lang="en-US" sz="1200" b="1" dirty="0"/>
+                  <a:rPr lang="en-US" sz="1200" b="1"/>
                   <a:t>Isolation Forest Application: </a:t>
                 </a:r>
                 <a:r>
-                  <a:rPr lang="en-US" sz="1200" dirty="0"/>
+                  <a:rPr lang="en-US" sz="1200"/>
                   <a:t>Isolation Forest effectively identifies anomalies in authorship data, isolating suspicious writing patterns from genuine texts.</a:t>
                 </a:r>
               </a:p>
               <a:p>
                 <a:r>
-                  <a:rPr lang="en-US" sz="1800" b="0" i="0" u="none" strike="noStrike" dirty="0">
+                  <a:rPr lang="en-US" sz="1800" b="0" i="0" u="none" strike="noStrike">
                     <a:solidFill>
                       <a:srgbClr val="000000"/>
                     </a:solidFill>
@@ -16060,7 +16064,7 @@
                   </a:rPr>
                   <a:t>Isolation Forest performs the isolation of the observations by randomly choosing a feature and then randomly choosing a split value between the maximum and minimum values of that feature. Every data point is given an anomaly score that reflects how isolated it is within the random partitioning structure developed by the model.</a:t>
                 </a:r>
-                <a:endParaRPr lang="en-US" sz="1200" b="0" i="0" u="none" strike="noStrike" dirty="0">
+                <a:endParaRPr lang="en-US" sz="1200" b="0" i="0" u="none" strike="noStrike">
                   <a:solidFill>
                     <a:srgbClr val="000000"/>
                   </a:solidFill>
@@ -16070,11 +16074,11 @@
               </a:p>
               <a:p>
                 <a:r>
-                  <a:rPr lang="en-US" sz="1200" b="1" dirty="0"/>
+                  <a:rPr lang="en-US" sz="1200" b="1"/>
                   <a:t>Noisy or Malicious Data: </a:t>
                 </a:r>
                 <a:r>
-                  <a:rPr lang="en-US" sz="1800" b="0" i="0" u="none" strike="noStrike" dirty="0">
+                  <a:rPr lang="en-US" sz="1800" b="0" i="0" u="none" strike="noStrike">
                     <a:solidFill>
                       <a:srgbClr val="000000"/>
                     </a:solidFill>
@@ -16083,7 +16087,7 @@
                   </a:rPr>
                   <a:t>By isolating observations through random partitioning of the feature space, Isolation Forest is able to spot outliers with high efficiency in large datasets - a common scenario in authorship verification - guaranteeing that noisy or malicious data will not affect the result of the verification.</a:t>
                 </a:r>
-                <a:endParaRPr lang="en-US" sz="1200" b="1" dirty="0"/>
+                <a:endParaRPr lang="en-US" sz="1200" b="1"/>
               </a:p>
               <a:p>
                 <a:pPr algn="just" rtl="0">
@@ -16091,7 +16095,7 @@
                     <a:spcPts val="1400"/>
                   </a:spcBef>
                 </a:pPr>
-                <a:endParaRPr lang="en-US" sz="1800" b="0" i="0" u="none" strike="noStrike" dirty="0">
+                <a:endParaRPr lang="en-US" sz="1800" b="0" i="0" u="none" strike="noStrike">
                   <a:solidFill>
                     <a:srgbClr val="000000"/>
                   </a:solidFill>
@@ -16106,7 +16110,7 @@
                   </a:spcBef>
                 </a:pPr>
                 <a:r>
-                  <a:rPr lang="en-US" sz="1800" b="1" i="0" u="none" strike="noStrike" dirty="0">
+                  <a:rPr lang="en-US" sz="1800" b="1" i="0" u="none" strike="noStrike">
                     <a:solidFill>
                       <a:srgbClr val="000000"/>
                     </a:solidFill>
@@ -16126,7 +16130,7 @@
                   </a:spcAft>
                 </a:pPr>
                 <a:r>
-                  <a:rPr lang="en-US" sz="1800" b="0" i="0" u="none" strike="noStrike" dirty="0">
+                  <a:rPr lang="en-US" sz="1800" b="0" i="0" u="none" strike="noStrike">
                     <a:solidFill>
                       <a:srgbClr val="000000"/>
                     </a:solidFill>
@@ -16135,7 +16139,7 @@
                   </a:rPr>
                   <a:t>Formally, the anomaly score s(x) for a point x is derived by:</a:t>
                 </a:r>
-                <a:endParaRPr lang="en-US" sz="2800" b="0" dirty="0">
+                <a:endParaRPr lang="en-US" sz="2800" b="0">
                   <a:effectLst/>
                 </a:endParaRPr>
               </a:p>
@@ -16149,7 +16153,7 @@
                   </a:spcAft>
                 </a:pPr>
                 <a:r>
-                  <a:rPr lang="en-US" sz="1800" b="1" i="0" u="none" strike="noStrike" dirty="0">
+                  <a:rPr lang="en-US" sz="1800" b="1" i="0" u="none" strike="noStrike">
                     <a:solidFill>
                       <a:srgbClr val="000000"/>
                     </a:solidFill>
@@ -16159,7 +16163,7 @@
                   <a:t>Path Length: </a:t>
                 </a:r>
                 <a:r>
-                  <a:rPr lang="en-US" sz="1800" b="0" i="0" u="none" strike="noStrike" dirty="0">
+                  <a:rPr lang="en-US" sz="1800" b="0" i="0" u="none" strike="noStrike">
                     <a:solidFill>
                       <a:srgbClr val="000000"/>
                     </a:solidFill>
@@ -16168,7 +16172,7 @@
                   </a:rPr>
                   <a:t>Calculating the path length h(x) from the root to the terminating node in each tree.</a:t>
                 </a:r>
-                <a:endParaRPr lang="en-US" sz="2800" b="0" dirty="0">
+                <a:endParaRPr lang="en-US" sz="2800" b="0">
                   <a:effectLst/>
                 </a:endParaRPr>
               </a:p>
@@ -16182,7 +16186,7 @@
                   </a:spcAft>
                 </a:pPr>
                 <a:r>
-                  <a:rPr lang="en-US" sz="1800" b="1" i="0" u="none" strike="noStrike" dirty="0">
+                  <a:rPr lang="en-US" sz="1800" b="1" i="0" u="none" strike="noStrike">
                     <a:solidFill>
                       <a:srgbClr val="000000"/>
                     </a:solidFill>
@@ -16192,7 +16196,7 @@
                   <a:t>Average Path Length:</a:t>
                 </a:r>
                 <a:r>
-                  <a:rPr lang="en-US" sz="1800" b="0" i="0" u="none" strike="noStrike" dirty="0">
+                  <a:rPr lang="en-US" sz="1800" b="0" i="0" u="none" strike="noStrike">
                     <a:solidFill>
                       <a:srgbClr val="000000"/>
                     </a:solidFill>
@@ -16201,7 +16205,7 @@
                   </a:rPr>
                   <a:t> Averaging h(x) across T trees to obtain h(x).</a:t>
                 </a:r>
-                <a:endParaRPr lang="en-US" sz="2800" b="0" dirty="0">
+                <a:endParaRPr lang="en-US" sz="2800" b="0">
                   <a:effectLst/>
                 </a:endParaRPr>
               </a:p>
@@ -16215,7 +16219,7 @@
                   </a:spcAft>
                 </a:pPr>
                 <a:r>
-                  <a:rPr lang="en-US" sz="1800" b="1" i="0" u="none" strike="noStrike" dirty="0">
+                  <a:rPr lang="en-US" sz="1800" b="1" i="0" u="none" strike="noStrike">
                     <a:solidFill>
                       <a:srgbClr val="000000"/>
                     </a:solidFill>
@@ -16225,7 +16229,7 @@
                   <a:t>Normalization: </a:t>
                 </a:r>
                 <a:r>
-                  <a:rPr lang="en-US" sz="1800" b="0" i="0" u="none" strike="noStrike" dirty="0">
+                  <a:rPr lang="en-US" sz="1800" b="0" i="0" u="none" strike="noStrike">
                     <a:solidFill>
                       <a:srgbClr val="000000"/>
                     </a:solidFill>
@@ -16234,7 +16238,7 @@
                   </a:rPr>
                   <a:t>Converting h(x) into a score between [0, 1] by comparing it to the expected path length of a random observation, often approximated by a function  c(n) dependent on the dataset size n.</a:t>
                 </a:r>
-                <a:endParaRPr lang="en-US" sz="2800" b="0" i="0" u="none" strike="noStrike" baseline="0" dirty="0">
+                <a:endParaRPr lang="en-US" sz="2800" b="0" i="0" u="none" strike="noStrike" baseline="0">
                   <a:solidFill>
                     <a:schemeClr val="tx1"/>
                   </a:solidFill>
@@ -16419,9 +16423,9 @@
                   </m:oMathPara>
                 </a14:m>
                 <a:br>
-                  <a:rPr lang="en-US" sz="2800" dirty="0"/>
+                  <a:rPr lang="en-US" sz="2800"/>
                 </a:br>
-                <a:endParaRPr lang="en-US" sz="1800" b="1" i="0" u="none" strike="noStrike" dirty="0">
+                <a:endParaRPr lang="en-US" sz="1800" b="1" i="0" u="none" strike="noStrike">
                   <a:solidFill>
                     <a:srgbClr val="000000"/>
                   </a:solidFill>
@@ -16447,6 +16451,49 @@
             <p:txBody>
               <a:bodyPr/>
               <a:lstStyle/>
+              <a:p>
+                <a:pPr marL="171450" indent="-171450">
+                  <a:buFont typeface="Arial" panose="020B0604020202020204" pitchFamily="34" charset="0"/>
+                  <a:buChar char="•"/>
+                </a:pPr>
+                <a:r>
+                  <a:rPr lang="en-US" sz="1200" b="0"/>
+                  <a:t>Anomaly detection helps identify outliers in writing styles.</a:t>
+                </a:r>
+              </a:p>
+              <a:p>
+                <a:pPr marL="171450" indent="-171450">
+                  <a:buFont typeface="Arial" panose="020B0604020202020204" pitchFamily="34" charset="0"/>
+                  <a:buChar char="•"/>
+                </a:pPr>
+                <a:r>
+                  <a:rPr lang="en-US" sz="1200" b="0"/>
+                  <a:t>We use the Isolation Forest algorithm, which isolates anomalies effectively.</a:t>
+                </a:r>
+              </a:p>
+              <a:p>
+                <a:pPr marL="171450" indent="-171450">
+                  <a:buFont typeface="Arial" panose="020B0604020202020204" pitchFamily="34" charset="0"/>
+                  <a:buChar char="•"/>
+                </a:pPr>
+                <a:r>
+                  <a:rPr lang="en-US" sz="1200" b="0"/>
+                  <a:t>By detecting significant deviations in writing patterns, we can determine if a document truly belongs to an author.</a:t>
+                </a:r>
+              </a:p>
+              <a:p>
+                <a:r>
+                  <a:rPr lang="en-US" sz="1200" b="1" i="0" u="none" strike="noStrike">
+                    <a:solidFill>
+                      <a:srgbClr val="000000"/>
+                    </a:solidFill>
+                    <a:effectLst/>
+                    <a:latin typeface="Arial" panose="020B0604020202020204" pitchFamily="34" charset="0"/>
+                  </a:rPr>
+                  <a:t>------------------------------------------------------------------------------</a:t>
+                </a:r>
+                <a:endParaRPr lang="en-US" sz="1200" b="1"/>
+              </a:p>
               <a:p>
                 <a:r>
                   <a:rPr lang="en-US" sz="1200" b="1"/>
@@ -16810,7 +16857,7 @@
           <a:p>
             <a:fld id="{1E9018E3-F371-4868-B708-55B0EBDFCDB1}" type="slidenum">
               <a:rPr lang="he-IL" smtClean="0"/>
-              <a:t>14</a:t>
+              <a:t>15</a:t>
             </a:fld>
             <a:endParaRPr lang="he-IL"/>
           </a:p>
@@ -16896,7 +16943,7 @@
               <a:buChar char="•"/>
             </a:pPr>
             <a:r>
-              <a:rPr lang="en-US" sz="1200" b="0" dirty="0"/>
+              <a:rPr lang="en-US" sz="1200" b="0"/>
               <a:t>Clustering organizes texts into meaningful groups based on similarity.</a:t>
             </a:r>
           </a:p>
@@ -16906,7 +16953,7 @@
               <a:buChar char="•"/>
             </a:pPr>
             <a:r>
-              <a:rPr lang="en-US" sz="1200" b="0" dirty="0"/>
+              <a:rPr lang="en-US" sz="1200" b="0"/>
               <a:t>This approach handles noise and outliers efficiently.</a:t>
             </a:r>
           </a:p>
@@ -16916,13 +16963,23 @@
               <a:buChar char="•"/>
             </a:pPr>
             <a:r>
-              <a:rPr lang="en-US" sz="1200" b="0" dirty="0"/>
+              <a:rPr lang="en-US" sz="1200" b="0"/>
               <a:t>We use the K-Medoids algorithm to create robust clusters and categorize texts into groups of interest.</a:t>
             </a:r>
           </a:p>
           <a:p>
-            <a:r>
-              <a:rPr lang="en-US" sz="1200" b="1" i="0" u="none" strike="noStrike" dirty="0">
+            <a:pPr marL="171450" indent="-171450">
+              <a:buFont typeface="Arial" panose="020B0604020202020204" pitchFamily="34" charset="0"/>
+              <a:buChar char="•"/>
+            </a:pPr>
+            <a:r>
+              <a:rPr lang="en-US" sz="1200" b="0"/>
+              <a:t>Explain two clusters (Outliers and Normal).</a:t>
+            </a:r>
+          </a:p>
+          <a:p>
+            <a:r>
+              <a:rPr lang="en-US" sz="1200" b="1" i="0" u="none" strike="noStrike">
                 <a:solidFill>
                   <a:srgbClr val="000000"/>
                 </a:solidFill>
@@ -16931,21 +16988,21 @@
               </a:rPr>
               <a:t>------------------------------------------------------------------------------</a:t>
             </a:r>
-            <a:endParaRPr lang="en-US" sz="1200" b="1" dirty="0"/>
-          </a:p>
-          <a:p>
-            <a:r>
-              <a:rPr lang="en-US" sz="1200" b="1" dirty="0"/>
+            <a:endParaRPr lang="en-US" sz="1200" b="1"/>
+          </a:p>
+          <a:p>
+            <a:r>
+              <a:rPr lang="en-US" sz="1200" b="1"/>
               <a:t>K-Medoids Clustering: </a:t>
             </a:r>
             <a:r>
-              <a:rPr lang="en-US" sz="1200" dirty="0"/>
+              <a:rPr lang="en-US" sz="1200"/>
               <a:t>K-Medoids clusters authored texts by similarity, enhancing the identification of distinctive authorial styles through grouping.</a:t>
             </a:r>
           </a:p>
           <a:p>
             <a:r>
-              <a:rPr lang="en-US" sz="1800" b="0" i="0" u="none" strike="noStrike" dirty="0">
+              <a:rPr lang="en-US" sz="1800" b="0" i="0" u="none" strike="noStrike">
                 <a:solidFill>
                   <a:srgbClr val="000000"/>
                 </a:solidFill>
@@ -16954,7 +17011,7 @@
               </a:rPr>
               <a:t>Unlike K-means, which makes use of centroids as the representative of the cluster, which is sensitive to outliers, the K-medoids algorithm selects actual data points (medoids) as the cluster centers to minimize the sum of pairwise dissimilarities between points and their assigned medoids. </a:t>
             </a:r>
-            <a:endParaRPr lang="en-US" sz="1200" b="0" i="0" u="none" strike="noStrike" dirty="0">
+            <a:endParaRPr lang="en-US" sz="1200" b="0" i="0" u="none" strike="noStrike">
               <a:solidFill>
                 <a:srgbClr val="000000"/>
               </a:solidFill>
@@ -16963,20 +17020,20 @@
             </a:endParaRPr>
           </a:p>
           <a:p>
-            <a:endParaRPr lang="en-US" sz="1200" dirty="0"/>
-          </a:p>
-          <a:p>
-            <a:r>
-              <a:rPr lang="en-US" sz="1200" b="1" dirty="0"/>
+            <a:endParaRPr lang="en-US" sz="1200"/>
+          </a:p>
+          <a:p>
+            <a:r>
+              <a:rPr lang="en-US" sz="1200" b="1"/>
               <a:t>Integration for Robustness: </a:t>
             </a:r>
             <a:r>
-              <a:rPr lang="en-US" sz="1200" dirty="0"/>
+              <a:rPr lang="en-US" sz="1200"/>
               <a:t>Combining Isolation Forest and K-Medoids boosts robustness in detecting novel anomalies while refining clustering efficacy.</a:t>
             </a:r>
           </a:p>
           <a:p>
-            <a:endParaRPr lang="en-US" dirty="0"/>
+            <a:endParaRPr lang="en-US"/>
           </a:p>
           <a:p>
             <a:pPr algn="just" rtl="0">
@@ -16985,7 +17042,7 @@
               </a:spcBef>
             </a:pPr>
             <a:r>
-              <a:rPr lang="en-US" sz="1800" b="0" i="0" u="none" strike="noStrike" dirty="0">
+              <a:rPr lang="en-US" sz="1800" b="0" i="0" u="none" strike="noStrike">
                 <a:solidFill>
                   <a:srgbClr val="000000"/>
                 </a:solidFill>
@@ -17002,9 +17059,9 @@
               </a:spcBef>
             </a:pPr>
             <a:br>
-              <a:rPr lang="en-US" sz="2800" dirty="0"/>
+              <a:rPr lang="en-US" sz="2800"/>
             </a:br>
-            <a:endParaRPr lang="en-US" sz="1800" b="0" i="0" u="none" strike="noStrike" dirty="0">
+            <a:endParaRPr lang="en-US" sz="1800" b="0" i="0" u="none" strike="noStrike">
               <a:solidFill>
                 <a:srgbClr val="000000"/>
               </a:solidFill>
@@ -17019,7 +17076,7 @@
               </a:spcBef>
             </a:pPr>
             <a:r>
-              <a:rPr lang="en-US" sz="1800" b="1" i="0" u="none" strike="noStrike" dirty="0">
+              <a:rPr lang="en-US" sz="1800" b="1" i="0" u="none" strike="noStrike">
                 <a:solidFill>
                   <a:srgbClr val="000000"/>
                 </a:solidFill>
@@ -17028,7 +17085,7 @@
               </a:rPr>
               <a:t>K-Medoids Algorithm</a:t>
             </a:r>
-            <a:endParaRPr lang="en-US" b="0" dirty="0">
+            <a:endParaRPr lang="en-US" b="0">
               <a:effectLst/>
             </a:endParaRPr>
           </a:p>
@@ -17041,7 +17098,7 @@
               <a:buAutoNum type="arabicPeriod"/>
             </a:pPr>
             <a:r>
-              <a:rPr lang="en-US" sz="1800" b="1" i="0" u="none" strike="noStrike" dirty="0">
+              <a:rPr lang="en-US" sz="1800" b="1" i="0" u="none" strike="noStrike">
                 <a:solidFill>
                   <a:srgbClr val="000000"/>
                 </a:solidFill>
@@ -17051,7 +17108,7 @@
               <a:t>Initialization</a:t>
             </a:r>
             <a:r>
-              <a:rPr lang="en-US" sz="1800" b="0" i="0" u="none" strike="noStrike" dirty="0">
+              <a:rPr lang="en-US" sz="1800" b="0" i="0" u="none" strike="noStrike">
                 <a:solidFill>
                   <a:srgbClr val="000000"/>
                 </a:solidFill>
@@ -17067,7 +17124,7 @@
               <a:buAutoNum type="arabicPeriod"/>
             </a:pPr>
             <a:r>
-              <a:rPr lang="en-US" sz="1800" b="1" i="0" u="none" strike="noStrike" dirty="0">
+              <a:rPr lang="en-US" sz="1800" b="1" i="0" u="none" strike="noStrike">
                 <a:solidFill>
                   <a:srgbClr val="000000"/>
                 </a:solidFill>
@@ -17077,7 +17134,7 @@
               <a:t>Assignment</a:t>
             </a:r>
             <a:r>
-              <a:rPr lang="en-US" sz="1800" b="0" i="0" u="none" strike="noStrike" dirty="0">
+              <a:rPr lang="en-US" sz="1800" b="0" i="0" u="none" strike="noStrike">
                 <a:solidFill>
                   <a:srgbClr val="000000"/>
                 </a:solidFill>
@@ -17093,7 +17150,7 @@
               <a:buAutoNum type="arabicPeriod"/>
             </a:pPr>
             <a:r>
-              <a:rPr lang="en-US" sz="1800" b="1" i="0" u="none" strike="noStrike" dirty="0">
+              <a:rPr lang="en-US" sz="1800" b="1" i="0" u="none" strike="noStrike">
                 <a:solidFill>
                   <a:srgbClr val="000000"/>
                 </a:solidFill>
@@ -17103,7 +17160,7 @@
               <a:t>Update</a:t>
             </a:r>
             <a:r>
-              <a:rPr lang="en-US" sz="1800" b="0" i="0" u="none" strike="noStrike" dirty="0">
+              <a:rPr lang="en-US" sz="1800" b="0" i="0" u="none" strike="noStrike">
                 <a:solidFill>
                   <a:srgbClr val="000000"/>
                 </a:solidFill>
@@ -17122,7 +17179,7 @@
               <a:buAutoNum type="arabicPeriod"/>
             </a:pPr>
             <a:r>
-              <a:rPr lang="en-US" sz="1800" b="1" i="0" u="none" strike="noStrike" dirty="0">
+              <a:rPr lang="en-US" sz="1800" b="1" i="0" u="none" strike="noStrike">
                 <a:solidFill>
                   <a:srgbClr val="000000"/>
                 </a:solidFill>
@@ -17132,7 +17189,7 @@
               <a:t>Iteration</a:t>
             </a:r>
             <a:r>
-              <a:rPr lang="en-US" sz="1800" b="0" i="0" u="none" strike="noStrike" dirty="0">
+              <a:rPr lang="en-US" sz="1800" b="0" i="0" u="none" strike="noStrike">
                 <a:solidFill>
                   <a:srgbClr val="000000"/>
                 </a:solidFill>
@@ -17145,7 +17202,7 @@
           <a:p>
             <a:pPr lvl="1"/>
             <a:r>
-              <a:rPr lang="en-US" sz="1800" b="1" i="0" u="none" strike="noStrike" dirty="0">
+              <a:rPr lang="en-US" sz="1800" b="1" i="0" u="none" strike="noStrike">
                 <a:solidFill>
                   <a:srgbClr val="000000"/>
                 </a:solidFill>
@@ -17155,7 +17212,7 @@
               <a:t>Output</a:t>
             </a:r>
             <a:r>
-              <a:rPr lang="en-US" sz="1800" b="0" i="0" u="none" strike="noStrike" dirty="0">
+              <a:rPr lang="en-US" sz="1800" b="0" i="0" u="none" strike="noStrike">
                 <a:solidFill>
                   <a:srgbClr val="000000"/>
                 </a:solidFill>
@@ -17164,14 +17221,14 @@
               </a:rPr>
               <a:t>: The final clusters and their medoids.</a:t>
             </a:r>
-            <a:endParaRPr lang="en-US" dirty="0"/>
+            <a:endParaRPr lang="en-US"/>
           </a:p>
           <a:p>
             <a:pPr lvl="1"/>
             <a:br>
-              <a:rPr lang="en-US" dirty="0"/>
+              <a:rPr lang="en-US"/>
             </a:br>
-            <a:endParaRPr lang="LID4096" dirty="0"/>
+            <a:endParaRPr lang="LID4096"/>
           </a:p>
         </p:txBody>
       </p:sp>
@@ -17198,7 +17255,7 @@
           <a:p>
             <a:fld id="{1E9018E3-F371-4868-B708-55B0EBDFCDB1}" type="slidenum">
               <a:rPr lang="he-IL" smtClean="0"/>
-              <a:t>15</a:t>
+              <a:t>16</a:t>
             </a:fld>
             <a:endParaRPr lang="he-IL"/>
           </a:p>
@@ -17266,7 +17323,7 @@
               <a:buChar char="•"/>
             </a:pPr>
             <a:r>
-              <a:rPr lang="en-US" dirty="0"/>
+              <a:rPr lang="en-US"/>
               <a:t>This slide provides a sequence diagram for our data preprocessing.</a:t>
             </a:r>
           </a:p>
@@ -17276,7 +17333,7 @@
               <a:buChar char="•"/>
             </a:pPr>
             <a:r>
-              <a:rPr lang="en-US" dirty="0"/>
+              <a:rPr lang="en-US"/>
               <a:t>Starting from raw text pairs …</a:t>
             </a:r>
           </a:p>
@@ -17295,7 +17352,7 @@
               </a:rPr>
               <a:t>------------------------------------------------------------------------------</a:t>
             </a:r>
-            <a:endParaRPr lang="he-IL" dirty="0"/>
+            <a:endParaRPr lang="he-IL"/>
           </a:p>
         </p:txBody>
       </p:sp>
@@ -17316,7 +17373,7 @@
           <a:p>
             <a:fld id="{1E9018E3-F371-4868-B708-55B0EBDFCDB1}" type="slidenum">
               <a:rPr lang="he-IL" smtClean="0"/>
-              <a:t>16</a:t>
+              <a:t>17</a:t>
             </a:fld>
             <a:endParaRPr lang="he-IL"/>
           </a:p>
@@ -17384,7 +17441,7 @@
               <a:buChar char="•"/>
             </a:pPr>
             <a:r>
-              <a:rPr lang="en-US" dirty="0"/>
+              <a:rPr lang="en-US"/>
               <a:t>Next, in this slide we have a sequence diagram for our model training.</a:t>
             </a:r>
           </a:p>
@@ -17394,7 +17451,7 @@
               <a:buChar char="•"/>
             </a:pPr>
             <a:r>
-              <a:rPr lang="en-US" dirty="0"/>
+              <a:rPr lang="en-US"/>
               <a:t>After the data was preprocessed, the model looping through each chuck pairs of the Impostor pair…</a:t>
             </a:r>
           </a:p>
@@ -17404,7 +17461,7 @@
               <a:buNone/>
             </a:pPr>
             <a:r>
-              <a:rPr lang="en-US" sz="1200" b="1" i="0" u="none" strike="noStrike" dirty="0">
+              <a:rPr lang="en-US" sz="1200" b="1" i="0" u="none" strike="noStrike">
                 <a:solidFill>
                   <a:srgbClr val="000000"/>
                 </a:solidFill>
@@ -17413,7 +17470,7 @@
               </a:rPr>
               <a:t>------------------------------------------------------------------------------</a:t>
             </a:r>
-            <a:endParaRPr lang="en-US" dirty="0"/>
+            <a:endParaRPr lang="en-US"/>
           </a:p>
         </p:txBody>
       </p:sp>
@@ -17434,7 +17491,7 @@
           <a:p>
             <a:fld id="{1E9018E3-F371-4868-B708-55B0EBDFCDB1}" type="slidenum">
               <a:rPr lang="he-IL" smtClean="0"/>
-              <a:t>17</a:t>
+              <a:t>18</a:t>
             </a:fld>
             <a:endParaRPr lang="he-IL"/>
           </a:p>
@@ -17515,7 +17572,7 @@
               <a:defRPr/>
             </a:pPr>
             <a:r>
-              <a:rPr lang="en-US" dirty="0"/>
+              <a:rPr lang="en-US"/>
               <a:t>In this slide we have a sequence diagram for our model inference phase.</a:t>
             </a:r>
           </a:p>
@@ -17538,7 +17595,7 @@
               <a:defRPr/>
             </a:pPr>
             <a:r>
-              <a:rPr lang="en-US" dirty="0"/>
+              <a:rPr lang="en-US"/>
               <a:t>Starting from submitting text under classification, to preprocessing the input.</a:t>
             </a:r>
           </a:p>
@@ -17561,7 +17618,7 @@
               <a:defRPr/>
             </a:pPr>
             <a:r>
-              <a:rPr lang="en-US" dirty="0"/>
+              <a:rPr lang="en-US"/>
               <a:t>We pass each chunk through the trained network, and label it.</a:t>
             </a:r>
           </a:p>
@@ -17584,7 +17641,7 @@
               <a:defRPr/>
             </a:pPr>
             <a:r>
-              <a:rPr lang="en-US" dirty="0"/>
+              <a:rPr lang="en-US"/>
               <a:t>We calculate batch structured-level scores (by mean values of chunks labels) and obtain signal representation.</a:t>
             </a:r>
           </a:p>
@@ -17607,7 +17664,7 @@
               <a:defRPr/>
             </a:pPr>
             <a:r>
-              <a:rPr lang="en-US" dirty="0"/>
+              <a:rPr lang="en-US"/>
               <a:t>We align signal representations, and compute distance matrix with DTW.</a:t>
             </a:r>
           </a:p>
@@ -17630,7 +17687,7 @@
               <a:defRPr/>
             </a:pPr>
             <a:r>
-              <a:rPr lang="en-US" dirty="0"/>
+              <a:rPr lang="en-US"/>
               <a:t>Next, generating anomaly scores by using Isolation Forest on the DTW matrix.</a:t>
             </a:r>
           </a:p>
@@ -17653,7 +17710,7 @@
               <a:defRPr/>
             </a:pPr>
             <a:r>
-              <a:rPr lang="en-US" dirty="0"/>
+              <a:rPr lang="en-US"/>
               <a:t>Append anomaly scores vector to anomaly scores matrix.</a:t>
             </a:r>
           </a:p>
@@ -17676,7 +17733,7 @@
               <a:defRPr/>
             </a:pPr>
             <a:r>
-              <a:rPr lang="en-US" dirty="0"/>
+              <a:rPr lang="en-US"/>
               <a:t>Finally, we cluster the anomaly scores matrix with K-Medoids, when K=2.</a:t>
             </a:r>
           </a:p>
@@ -17686,7 +17743,7 @@
               <a:buNone/>
             </a:pPr>
             <a:r>
-              <a:rPr lang="en-US" sz="1200" b="1" i="0" u="none" strike="noStrike" dirty="0">
+              <a:rPr lang="en-US" sz="1200" b="1" i="0" u="none" strike="noStrike">
                 <a:solidFill>
                   <a:srgbClr val="000000"/>
                 </a:solidFill>
@@ -17695,7 +17752,7 @@
               </a:rPr>
               <a:t>------------------------------------------------------------------------------</a:t>
             </a:r>
-            <a:endParaRPr lang="he-IL" dirty="0"/>
+            <a:endParaRPr lang="he-IL"/>
           </a:p>
         </p:txBody>
       </p:sp>
@@ -17716,7 +17773,7 @@
           <a:p>
             <a:fld id="{1E9018E3-F371-4868-B708-55B0EBDFCDB1}" type="slidenum">
               <a:rPr lang="he-IL" smtClean="0"/>
-              <a:t>18</a:t>
+              <a:t>19</a:t>
             </a:fld>
             <a:endParaRPr lang="he-IL"/>
           </a:p>
@@ -17787,7 +17844,7 @@
               <a:buChar char="•"/>
             </a:pPr>
             <a:r>
-              <a:rPr lang="en-US" sz="1200" b="0" dirty="0"/>
+              <a:rPr lang="en-US" sz="1200" b="0"/>
               <a:t>We have a structured evaluation plan to validate our model.</a:t>
             </a:r>
           </a:p>
@@ -17800,7 +17857,7 @@
               <a:buChar char="•"/>
             </a:pPr>
             <a:r>
-              <a:rPr lang="en-US" sz="1200" b="0" dirty="0"/>
+              <a:rPr lang="en-US" sz="1200" b="0"/>
               <a:t>Key areas include data preparation, model training and network integration.</a:t>
             </a:r>
           </a:p>
@@ -17813,7 +17870,7 @@
               <a:buChar char="•"/>
             </a:pPr>
             <a:r>
-              <a:rPr lang="en-US" sz="1200" b="0" dirty="0"/>
+              <a:rPr lang="en-US" sz="1200" b="0"/>
               <a:t>Each stage ensures robustness and effectiveness in real-world scenarios.</a:t>
             </a:r>
           </a:p>
@@ -17824,7 +17881,7 @@
               </a:lnSpc>
             </a:pPr>
             <a:r>
-              <a:rPr lang="en-US" sz="1200" b="1" i="0" u="none" strike="noStrike" dirty="0">
+              <a:rPr lang="en-US" sz="1200" b="1" i="0" u="none" strike="noStrike">
                 <a:solidFill>
                   <a:srgbClr val="000000"/>
                 </a:solidFill>
@@ -17833,7 +17890,7 @@
               </a:rPr>
               <a:t>------------------------------------------------------------------------------</a:t>
             </a:r>
-            <a:endParaRPr lang="en-US" sz="1200" b="1" dirty="0"/>
+            <a:endParaRPr lang="en-US" sz="1200" b="1"/>
           </a:p>
           <a:p>
             <a:pPr>
@@ -17842,11 +17899,11 @@
               </a:lnSpc>
             </a:pPr>
             <a:r>
-              <a:rPr lang="en-US" sz="1200" b="1" dirty="0"/>
+              <a:rPr lang="en-US" sz="1200" b="1"/>
               <a:t>Testing Strategies Overview: </a:t>
             </a:r>
             <a:r>
-              <a:rPr lang="en-US" sz="1200" dirty="0"/>
+              <a:rPr lang="en-US" sz="1200"/>
               <a:t>Employing varied testing strategies effectively assesses the model's resilience to diverse authorship verification scenarios.</a:t>
             </a:r>
           </a:p>
@@ -17857,11 +17914,11 @@
               </a:lnSpc>
             </a:pPr>
             <a:r>
-              <a:rPr lang="en-US" sz="1200" b="1" dirty="0"/>
+              <a:rPr lang="en-US" sz="1200" b="1"/>
               <a:t>Evaluation Metrics Employed: </a:t>
             </a:r>
             <a:r>
-              <a:rPr lang="en-US" sz="1200" dirty="0"/>
+              <a:rPr lang="en-US" sz="1200"/>
               <a:t>Utilization of precision, recall, F1-score, and AUC ensures a comprehensive understanding of model performance.</a:t>
             </a:r>
           </a:p>
@@ -17872,16 +17929,16 @@
               </a:lnSpc>
             </a:pPr>
             <a:r>
-              <a:rPr lang="en-US" sz="1200" b="1" dirty="0"/>
+              <a:rPr lang="en-US" sz="1200" b="1"/>
               <a:t>Stress Testing Methods: </a:t>
             </a:r>
             <a:r>
-              <a:rPr lang="en-US" sz="1200" dirty="0"/>
+              <a:rPr lang="en-US" sz="1200"/>
               <a:t>Implementing stress tests simulates extreme conditions, validating the model's robustness against potential vulnerabilities.</a:t>
             </a:r>
           </a:p>
           <a:p>
-            <a:endParaRPr lang="LID4096" dirty="0"/>
+            <a:endParaRPr lang="LID4096"/>
           </a:p>
         </p:txBody>
       </p:sp>
@@ -17902,7 +17959,7 @@
           <a:p>
             <a:fld id="{1E9018E3-F371-4868-B708-55B0EBDFCDB1}" type="slidenum">
               <a:rPr lang="he-IL" smtClean="0"/>
-              <a:t>19</a:t>
+              <a:t>20</a:t>
             </a:fld>
             <a:endParaRPr lang="he-IL"/>
           </a:p>
@@ -18124,7 +18181,7 @@
           <a:p>
             <a:fld id="{1E9018E3-F371-4868-B708-55B0EBDFCDB1}" type="slidenum">
               <a:rPr lang="he-IL" smtClean="0"/>
-              <a:t>2</a:t>
+              <a:t>3</a:t>
             </a:fld>
             <a:endParaRPr lang="he-IL"/>
           </a:p>
@@ -18192,7 +18249,7 @@
               <a:buChar char="•"/>
             </a:pPr>
             <a:r>
-              <a:rPr lang="en-US" dirty="0"/>
+              <a:rPr lang="en-US"/>
               <a:t>Data preparation is crucial for training a high-quality model.</a:t>
             </a:r>
           </a:p>
@@ -18202,7 +18259,7 @@
               <a:buChar char="•"/>
             </a:pPr>
             <a:r>
-              <a:rPr lang="en-US" dirty="0"/>
+              <a:rPr lang="en-US"/>
               <a:t>We test our preprocessing techniques to ensure data quality.</a:t>
             </a:r>
           </a:p>
@@ -18212,7 +18269,7 @@
               <a:buNone/>
             </a:pPr>
             <a:r>
-              <a:rPr lang="en-US" sz="1200" b="1" i="0" u="none" strike="noStrike" dirty="0">
+              <a:rPr lang="en-US" sz="1200" b="1" i="0" u="none" strike="noStrike">
                 <a:solidFill>
                   <a:srgbClr val="000000"/>
                 </a:solidFill>
@@ -18221,7 +18278,7 @@
               </a:rPr>
               <a:t>------------------------------------------------------------------------------</a:t>
             </a:r>
-            <a:endParaRPr lang="en-US" dirty="0"/>
+            <a:endParaRPr lang="en-US"/>
           </a:p>
         </p:txBody>
       </p:sp>
@@ -18242,7 +18299,7 @@
           <a:p>
             <a:fld id="{1E9018E3-F371-4868-B708-55B0EBDFCDB1}" type="slidenum">
               <a:rPr lang="he-IL" smtClean="0"/>
-              <a:t>20</a:t>
+              <a:t>21</a:t>
             </a:fld>
             <a:endParaRPr lang="he-IL"/>
           </a:p>
@@ -18331,7 +18388,7 @@
               <a:buChar char="•"/>
             </a:pPr>
             <a:r>
-              <a:rPr lang="en-US" sz="1200" b="0" i="0" u="none" strike="noStrike" dirty="0">
+              <a:rPr lang="en-US" sz="1200" b="0" i="0" u="none" strike="noStrike">
                 <a:solidFill>
                   <a:srgbClr val="000000"/>
                 </a:solidFill>
@@ -18350,7 +18407,7 @@
               <a:buChar char="•"/>
             </a:pPr>
             <a:r>
-              <a:rPr lang="en-US" sz="1200" b="0" i="0" u="none" strike="noStrike" dirty="0">
+              <a:rPr lang="en-US" sz="1200" b="0" i="0" u="none" strike="noStrike">
                 <a:solidFill>
                   <a:srgbClr val="000000"/>
                 </a:solidFill>
@@ -18367,7 +18424,7 @@
               </a:lnSpc>
             </a:pPr>
             <a:r>
-              <a:rPr lang="en-US" sz="1200" b="1" i="0" u="none" strike="noStrike" dirty="0">
+              <a:rPr lang="en-US" sz="1200" b="1" i="0" u="none" strike="noStrike">
                 <a:solidFill>
                   <a:srgbClr val="000000"/>
                 </a:solidFill>
@@ -18376,7 +18433,7 @@
               </a:rPr>
               <a:t>------------------------------------------------------------------------------</a:t>
             </a:r>
-            <a:endParaRPr lang="en-US" sz="1200" b="1" dirty="0"/>
+            <a:endParaRPr lang="en-US" sz="1200" b="1"/>
           </a:p>
           <a:p>
             <a:pPr>
@@ -18385,11 +18442,11 @@
               </a:lnSpc>
             </a:pPr>
             <a:r>
-              <a:rPr lang="en-US" sz="1200" b="1" dirty="0"/>
+              <a:rPr lang="en-US" sz="1200" b="1"/>
               <a:t>Testing Strategies Overview: </a:t>
             </a:r>
             <a:r>
-              <a:rPr lang="en-US" sz="1200" dirty="0"/>
+              <a:rPr lang="en-US" sz="1200"/>
               <a:t>Employing varied testing strategies effectively assesses the model's resilience to diverse authorship verification scenarios.</a:t>
             </a:r>
           </a:p>
@@ -18400,11 +18457,11 @@
               </a:lnSpc>
             </a:pPr>
             <a:r>
-              <a:rPr lang="en-US" sz="1200" b="1" dirty="0"/>
+              <a:rPr lang="en-US" sz="1200" b="1"/>
               <a:t>Evaluation Metrics Employed: </a:t>
             </a:r>
             <a:r>
-              <a:rPr lang="en-US" sz="1200" dirty="0"/>
+              <a:rPr lang="en-US" sz="1200"/>
               <a:t>Utilization of precision, recall, F1-score, and AUC ensures a comprehensive understanding of model performance.</a:t>
             </a:r>
           </a:p>
@@ -18415,16 +18472,16 @@
               </a:lnSpc>
             </a:pPr>
             <a:r>
-              <a:rPr lang="en-US" sz="1200" b="1" dirty="0"/>
+              <a:rPr lang="en-US" sz="1200" b="1"/>
               <a:t>Stress Testing Methods: </a:t>
             </a:r>
             <a:r>
-              <a:rPr lang="en-US" sz="1200" dirty="0"/>
+              <a:rPr lang="en-US" sz="1200"/>
               <a:t>Implementing stress tests simulates extreme conditions, validating the model's robustness against potential vulnerabilities.</a:t>
             </a:r>
           </a:p>
           <a:p>
-            <a:endParaRPr lang="LID4096" dirty="0"/>
+            <a:endParaRPr lang="LID4096"/>
           </a:p>
         </p:txBody>
       </p:sp>
@@ -18451,7 +18508,7 @@
           <a:p>
             <a:fld id="{1E9018E3-F371-4868-B708-55B0EBDFCDB1}" type="slidenum">
               <a:rPr lang="he-IL" smtClean="0"/>
-              <a:t>21</a:t>
+              <a:t>22</a:t>
             </a:fld>
             <a:endParaRPr lang="he-IL"/>
           </a:p>
@@ -18540,7 +18597,7 @@
               <a:buChar char="•"/>
             </a:pPr>
             <a:r>
-              <a:rPr lang="en-US" sz="1200" b="0" dirty="0"/>
+              <a:rPr lang="en-US" sz="1200" b="0"/>
               <a:t>Testing network components integration.</a:t>
             </a:r>
           </a:p>
@@ -18553,7 +18610,7 @@
               <a:buChar char="•"/>
             </a:pPr>
             <a:r>
-              <a:rPr lang="en-US" sz="1200" b="0" dirty="0"/>
+              <a:rPr lang="en-US" sz="1200" b="0"/>
               <a:t>Those tests are needed to ensure all components work together with no problem.</a:t>
             </a:r>
           </a:p>
@@ -18564,7 +18621,7 @@
               </a:lnSpc>
             </a:pPr>
             <a:r>
-              <a:rPr lang="en-US" sz="1200" b="1" i="0" u="none" strike="noStrike" dirty="0">
+              <a:rPr lang="en-US" sz="1200" b="1" i="0" u="none" strike="noStrike">
                 <a:solidFill>
                   <a:srgbClr val="000000"/>
                 </a:solidFill>
@@ -18573,7 +18630,7 @@
               </a:rPr>
               <a:t>------------------------------------------------------------------------------</a:t>
             </a:r>
-            <a:endParaRPr lang="en-US" sz="1200" b="1" dirty="0"/>
+            <a:endParaRPr lang="en-US" sz="1200" b="1"/>
           </a:p>
           <a:p>
             <a:pPr>
@@ -18582,11 +18639,11 @@
               </a:lnSpc>
             </a:pPr>
             <a:r>
-              <a:rPr lang="en-US" sz="1200" b="1" dirty="0"/>
+              <a:rPr lang="en-US" sz="1200" b="1"/>
               <a:t>Testing Strategies Overview: </a:t>
             </a:r>
             <a:r>
-              <a:rPr lang="en-US" sz="1200" dirty="0"/>
+              <a:rPr lang="en-US" sz="1200"/>
               <a:t>Employing varied testing strategies effectively assesses the model's resilience to diverse authorship verification scenarios.</a:t>
             </a:r>
           </a:p>
@@ -18597,11 +18654,11 @@
               </a:lnSpc>
             </a:pPr>
             <a:r>
-              <a:rPr lang="en-US" sz="1200" b="1" dirty="0"/>
+              <a:rPr lang="en-US" sz="1200" b="1"/>
               <a:t>Evaluation Metrics Employed: </a:t>
             </a:r>
             <a:r>
-              <a:rPr lang="en-US" sz="1200" dirty="0"/>
+              <a:rPr lang="en-US" sz="1200"/>
               <a:t>Utilization of precision, recall, F1-score, and AUC ensures a comprehensive understanding of model performance.</a:t>
             </a:r>
           </a:p>
@@ -18612,16 +18669,16 @@
               </a:lnSpc>
             </a:pPr>
             <a:r>
-              <a:rPr lang="en-US" sz="1200" b="1" dirty="0"/>
+              <a:rPr lang="en-US" sz="1200" b="1"/>
               <a:t>Stress Testing Methods: </a:t>
             </a:r>
             <a:r>
-              <a:rPr lang="en-US" sz="1200" dirty="0"/>
+              <a:rPr lang="en-US" sz="1200"/>
               <a:t>Implementing stress tests simulates extreme conditions, validating the model's robustness against potential vulnerabilities.</a:t>
             </a:r>
           </a:p>
           <a:p>
-            <a:endParaRPr lang="LID4096" dirty="0"/>
+            <a:endParaRPr lang="LID4096"/>
           </a:p>
         </p:txBody>
       </p:sp>
@@ -18648,7 +18705,7 @@
           <a:p>
             <a:fld id="{1E9018E3-F371-4868-B708-55B0EBDFCDB1}" type="slidenum">
               <a:rPr lang="he-IL" smtClean="0"/>
-              <a:t>22</a:t>
+              <a:t>23</a:t>
             </a:fld>
             <a:endParaRPr lang="he-IL"/>
           </a:p>
@@ -18719,7 +18776,7 @@
               <a:buChar char="•"/>
             </a:pPr>
             <a:r>
-              <a:rPr lang="en-US" sz="1200" b="0" dirty="0"/>
+              <a:rPr lang="en-US" sz="1200" b="0"/>
               <a:t>Our model aims to improve over traditional methods by enhancing robustness.</a:t>
             </a:r>
           </a:p>
@@ -18732,7 +18789,7 @@
               <a:buChar char="•"/>
             </a:pPr>
             <a:r>
-              <a:rPr lang="en-US" sz="1200" b="0" dirty="0"/>
+              <a:rPr lang="en-US" sz="1200" b="0"/>
               <a:t>It adapts well to noisy and fragmented texts, making it highly scalable.</a:t>
             </a:r>
           </a:p>
@@ -18745,7 +18802,7 @@
               <a:buChar char="•"/>
             </a:pPr>
             <a:r>
-              <a:rPr lang="en-US" sz="1200" b="0" dirty="0"/>
+              <a:rPr lang="en-US" sz="1200" b="0"/>
               <a:t>A key goal is to provide solutions for complex authorship verification cases, like the Shakespeare Apocrypha controversy.</a:t>
             </a:r>
           </a:p>
@@ -18756,7 +18813,7 @@
               </a:lnSpc>
             </a:pPr>
             <a:r>
-              <a:rPr lang="en-US" sz="1200" b="1" i="0" u="none" strike="noStrike" dirty="0">
+              <a:rPr lang="en-US" sz="1200" b="1" i="0" u="none" strike="noStrike">
                 <a:solidFill>
                   <a:srgbClr val="000000"/>
                 </a:solidFill>
@@ -18765,7 +18822,7 @@
               </a:rPr>
               <a:t>------------------------------------------------------------------------------</a:t>
             </a:r>
-            <a:endParaRPr lang="en-US" sz="1200" b="1" dirty="0"/>
+            <a:endParaRPr lang="en-US" sz="1200" b="1"/>
           </a:p>
           <a:p>
             <a:pPr>
@@ -18774,11 +18831,11 @@
               </a:lnSpc>
             </a:pPr>
             <a:r>
-              <a:rPr lang="en-US" sz="1200" b="1" dirty="0"/>
+              <a:rPr lang="en-US" sz="1200" b="1"/>
               <a:t>Enhanced Accuracy Expectations: </a:t>
             </a:r>
             <a:r>
-              <a:rPr lang="en-US" sz="1200" dirty="0"/>
+              <a:rPr lang="en-US" sz="1200"/>
               <a:t>Predicted improvements indicate significant enhancement in accuracy metrics through advanced analytical methodologies and innovative techniques.</a:t>
             </a:r>
           </a:p>
@@ -18789,11 +18846,11 @@
               </a:lnSpc>
             </a:pPr>
             <a:r>
-              <a:rPr lang="en-US" sz="1200" b="1" dirty="0"/>
+              <a:rPr lang="en-US" sz="1200" b="1"/>
               <a:t>Robustness Across Domains: </a:t>
             </a:r>
             <a:r>
-              <a:rPr lang="en-US" sz="1200" dirty="0"/>
+              <a:rPr lang="en-US" sz="1200"/>
               <a:t>Framework's adaptability ensures robust performance across varied domains, effectively handling diverse linguistic and stylistic elements.</a:t>
             </a:r>
           </a:p>
@@ -18804,16 +18861,16 @@
               </a:lnSpc>
             </a:pPr>
             <a:r>
-              <a:rPr lang="en-US" sz="1200" b="1" dirty="0"/>
+              <a:rPr lang="en-US" sz="1200" b="1"/>
               <a:t>Scalability Advantages: </a:t>
             </a:r>
             <a:r>
-              <a:rPr lang="en-US" sz="1200" dirty="0"/>
+              <a:rPr lang="en-US" sz="1200"/>
               <a:t>The proposed framework is designed for scalability, accommodating increasing datasets while maintaining efficient processing capabilities.</a:t>
             </a:r>
           </a:p>
           <a:p>
-            <a:endParaRPr lang="LID4096" dirty="0"/>
+            <a:endParaRPr lang="LID4096"/>
           </a:p>
         </p:txBody>
       </p:sp>
@@ -18834,7 +18891,7 @@
           <a:p>
             <a:fld id="{1E9018E3-F371-4868-B708-55B0EBDFCDB1}" type="slidenum">
               <a:rPr lang="he-IL" smtClean="0"/>
-              <a:t>23</a:t>
+              <a:t>24</a:t>
             </a:fld>
             <a:endParaRPr lang="he-IL"/>
           </a:p>
@@ -18905,7 +18962,7 @@
               <a:buChar char="•"/>
             </a:pPr>
             <a:r>
-              <a:rPr lang="en-US" sz="1200" b="0" dirty="0"/>
+              <a:rPr lang="en-US" sz="1200" b="0"/>
               <a:t>We introduced a novel neural network approach for authorship verification.</a:t>
             </a:r>
           </a:p>
@@ -18918,7 +18975,7 @@
               <a:buChar char="•"/>
             </a:pPr>
             <a:r>
-              <a:rPr lang="en-US" sz="1200" b="0" dirty="0"/>
+              <a:rPr lang="en-US" sz="1200" b="0"/>
               <a:t>Our method combines deep learning, anomaly detection and clustering.</a:t>
             </a:r>
           </a:p>
@@ -18931,7 +18988,7 @@
               <a:buChar char="•"/>
             </a:pPr>
             <a:r>
-              <a:rPr lang="en-US" sz="1200" b="0" dirty="0"/>
+              <a:rPr lang="en-US" sz="1200" b="0"/>
               <a:t>We addressed limitations of traditional methods and proposed an improved inference pipeline.</a:t>
             </a:r>
           </a:p>
@@ -18944,7 +19001,7 @@
               <a:buChar char="•"/>
             </a:pPr>
             <a:r>
-              <a:rPr lang="en-US" sz="1200" b="0" dirty="0"/>
+              <a:rPr lang="en-US" sz="1200" b="0"/>
               <a:t>Future work includes refining models further and expanding applicability.</a:t>
             </a:r>
           </a:p>
@@ -18955,7 +19012,7 @@
               </a:lnSpc>
             </a:pPr>
             <a:r>
-              <a:rPr lang="en-US" sz="1200" b="1" i="0" u="none" strike="noStrike" dirty="0">
+              <a:rPr lang="en-US" sz="1200" b="1" i="0" u="none" strike="noStrike">
                 <a:solidFill>
                   <a:srgbClr val="000000"/>
                 </a:solidFill>
@@ -18964,7 +19021,7 @@
               </a:rPr>
               <a:t>------------------------------------------------------------------------------</a:t>
             </a:r>
-            <a:endParaRPr lang="en-US" sz="1200" b="1" dirty="0"/>
+            <a:endParaRPr lang="en-US" sz="1200" b="1"/>
           </a:p>
           <a:p>
             <a:pPr>
@@ -18973,11 +19030,11 @@
               </a:lnSpc>
             </a:pPr>
             <a:r>
-              <a:rPr lang="en-US" sz="1200" b="1" dirty="0"/>
+              <a:rPr lang="en-US" sz="1200" b="1"/>
               <a:t>Recap of Key Innovations: </a:t>
             </a:r>
             <a:r>
-              <a:rPr lang="en-US" sz="1200" dirty="0"/>
+              <a:rPr lang="en-US" sz="1200"/>
               <a:t>Innovations include Siamese networks and adversarial training enhancing authorship verification's accuracy and robustness.</a:t>
             </a:r>
           </a:p>
@@ -18988,11 +19045,11 @@
               </a:lnSpc>
             </a:pPr>
             <a:r>
-              <a:rPr lang="en-US" sz="1200" b="1" dirty="0"/>
+              <a:rPr lang="en-US" sz="1200" b="1"/>
               <a:t>Future Research Directions: </a:t>
             </a:r>
             <a:r>
-              <a:rPr lang="en-US" sz="1200" dirty="0"/>
+              <a:rPr lang="en-US" sz="1200"/>
               <a:t>Future research will focus on refining methodologies and expanding model capabilities in diverse applications.</a:t>
             </a:r>
           </a:p>
@@ -19003,16 +19060,16 @@
               </a:lnSpc>
             </a:pPr>
             <a:r>
-              <a:rPr lang="en-US" sz="1200" b="1" dirty="0"/>
+              <a:rPr lang="en-US" sz="1200" b="1"/>
               <a:t>Collaboration Opportunities: </a:t>
             </a:r>
             <a:r>
-              <a:rPr lang="en-US" sz="1200" dirty="0"/>
+              <a:rPr lang="en-US" sz="1200"/>
               <a:t>Encouraging interdisciplinary collaboration can foster innovation and application of authorship verification techniques broadly.</a:t>
             </a:r>
           </a:p>
           <a:p>
-            <a:endParaRPr lang="LID4096" dirty="0"/>
+            <a:endParaRPr lang="LID4096"/>
           </a:p>
         </p:txBody>
       </p:sp>
@@ -19033,7 +19090,7 @@
           <a:p>
             <a:fld id="{1E9018E3-F371-4868-B708-55B0EBDFCDB1}" type="slidenum">
               <a:rPr lang="he-IL" smtClean="0"/>
-              <a:t>24</a:t>
+              <a:t>25</a:t>
             </a:fld>
             <a:endParaRPr lang="he-IL"/>
           </a:p>
@@ -19101,7 +19158,7 @@
               <a:buChar char="•"/>
             </a:pPr>
             <a:r>
-              <a:rPr lang="en-US" dirty="0"/>
+              <a:rPr lang="en-US"/>
               <a:t>Thanks for listening!</a:t>
             </a:r>
           </a:p>
@@ -19111,10 +19168,10 @@
               <a:buChar char="•"/>
             </a:pPr>
             <a:r>
-              <a:rPr lang="en-US" dirty="0"/>
+              <a:rPr lang="en-US"/>
               <a:t>Any questions?</a:t>
             </a:r>
-            <a:endParaRPr lang="he-IL" dirty="0"/>
+            <a:endParaRPr lang="he-IL"/>
           </a:p>
         </p:txBody>
       </p:sp>
@@ -19135,7 +19192,7 @@
           <a:p>
             <a:fld id="{1E9018E3-F371-4868-B708-55B0EBDFCDB1}" type="slidenum">
               <a:rPr lang="he-IL" smtClean="0"/>
-              <a:t>25</a:t>
+              <a:t>26</a:t>
             </a:fld>
             <a:endParaRPr lang="he-IL"/>
           </a:p>
@@ -19300,7 +19357,7 @@
           <a:p>
             <a:fld id="{1E9018E3-F371-4868-B708-55B0EBDFCDB1}" type="slidenum">
               <a:rPr lang="he-IL" smtClean="0"/>
-              <a:t>3</a:t>
+              <a:t>4</a:t>
             </a:fld>
             <a:endParaRPr lang="he-IL"/>
           </a:p>
@@ -19380,33 +19437,33 @@
           </a:p>
           <a:p>
             <a:br>
-              <a:rPr lang="en-US" dirty="0">
+              <a:rPr lang="en-US">
                 <a:cs typeface="+mn-lt"/>
               </a:rPr>
             </a:br>
             <a:r>
-              <a:rPr lang="en-US" b="1" u="sng" dirty="0"/>
+              <a:rPr lang="en-US" b="1" u="sng"/>
               <a:t>The Many-Candidates Problem:</a:t>
             </a:r>
             <a:r>
-              <a:rPr lang="en-US" dirty="0"/>
+              <a:rPr lang="en-US"/>
               <a:t> Given a large set of candidate authors, determine which, if any, of them is the author of a given anonymous document.</a:t>
             </a:r>
           </a:p>
           <a:p>
             <a:r>
-              <a:rPr lang="en-US" dirty="0"/>
+              <a:rPr lang="en-US"/>
               <a:t>A proposed solution to the many-candidates problem is provided in Koppel, M. and Winter, Y.(2014). Determining if two documents are written by the same author.</a:t>
             </a:r>
           </a:p>
           <a:p>
             <a:r>
-              <a:rPr lang="en-US" dirty="0"/>
+              <a:rPr lang="en-US"/>
               <a:t>Therefore we can reduce the verification problem into the many-candidates problem by generating a large set of impostor candidates.</a:t>
             </a:r>
           </a:p>
           <a:p>
-            <a:endParaRPr lang="en-US" dirty="0"/>
+            <a:endParaRPr lang="en-US"/>
           </a:p>
           <a:p>
             <a:r>
@@ -19436,95 +19493,95 @@
                 <a:cs typeface="+mn-lt"/>
               </a:rPr>
             </a:br>
-            <a:endParaRPr lang="en-US" dirty="0">
+            <a:endParaRPr lang="en-US">
               <a:cs typeface="+mn-lt"/>
             </a:endParaRPr>
           </a:p>
           <a:p>
             <a:r>
-              <a:rPr lang="en-US" dirty="0"/>
+              <a:rPr lang="en-US"/>
               <a:t>1. Generate a set of impostors Y1,…,</a:t>
             </a:r>
             <a:r>
-              <a:rPr lang="en-US" dirty="0" err="1"/>
+              <a:rPr lang="en-US" err="1"/>
               <a:t>Ym</a:t>
             </a:r>
             <a:r>
-              <a:rPr lang="en-US" dirty="0"/>
+              <a:rPr lang="en-US"/>
               <a:t> (as will be specified below).</a:t>
             </a:r>
           </a:p>
           <a:p>
             <a:r>
-              <a:rPr lang="en-US" dirty="0"/>
+              <a:rPr lang="en-US"/>
               <a:t>2. Compute </a:t>
             </a:r>
             <a:r>
-              <a:rPr lang="en-US" dirty="0" err="1"/>
+              <a:rPr lang="en-US" err="1"/>
               <a:t>scoreX</a:t>
             </a:r>
             <a:r>
-              <a:rPr lang="en-US" dirty="0"/>
+              <a:rPr lang="en-US"/>
               <a:t>(Y) = the number of choices of feature sets (out of 100) for which sim(X,Y) &gt; sim(</a:t>
             </a:r>
             <a:r>
-              <a:rPr lang="en-US" dirty="0" err="1"/>
+              <a:rPr lang="en-US" err="1"/>
               <a:t>X,Yi</a:t>
             </a:r>
             <a:r>
-              <a:rPr lang="en-US" dirty="0"/>
+              <a:rPr lang="en-US"/>
               <a:t>), for all </a:t>
             </a:r>
             <a:r>
-              <a:rPr lang="en-US" dirty="0" err="1"/>
+              <a:rPr lang="en-US" err="1"/>
               <a:t>i</a:t>
             </a:r>
             <a:r>
-              <a:rPr lang="en-US" dirty="0"/>
+              <a:rPr lang="en-US"/>
               <a:t>=1,…,m.</a:t>
             </a:r>
           </a:p>
           <a:p>
             <a:r>
-              <a:rPr lang="en-US" dirty="0"/>
+              <a:rPr lang="en-US"/>
               <a:t>3. Repeat the above with impostors X1,…,</a:t>
             </a:r>
             <a:r>
-              <a:rPr lang="en-US" dirty="0" err="1"/>
+              <a:rPr lang="en-US" err="1"/>
               <a:t>Xm</a:t>
             </a:r>
             <a:r>
-              <a:rPr lang="en-US" dirty="0"/>
+              <a:rPr lang="en-US"/>
               <a:t> and compute </a:t>
             </a:r>
             <a:r>
-              <a:rPr lang="en-US" dirty="0" err="1"/>
+              <a:rPr lang="en-US" err="1"/>
               <a:t>scoreY</a:t>
             </a:r>
             <a:r>
-              <a:rPr lang="en-US" dirty="0"/>
+              <a:rPr lang="en-US"/>
               <a:t>(X) in an analogous manner.</a:t>
             </a:r>
           </a:p>
           <a:p>
             <a:r>
-              <a:rPr lang="en-US" dirty="0"/>
+              <a:rPr lang="en-US"/>
               <a:t>4. If average(</a:t>
             </a:r>
             <a:r>
-              <a:rPr lang="en-US" dirty="0" err="1"/>
+              <a:rPr lang="en-US" err="1"/>
               <a:t>scoreX</a:t>
             </a:r>
             <a:r>
-              <a:rPr lang="en-US" dirty="0"/>
+              <a:rPr lang="en-US"/>
               <a:t>(Y),</a:t>
             </a:r>
             <a:r>
-              <a:rPr lang="en-US" dirty="0" err="1"/>
+              <a:rPr lang="en-US" err="1"/>
               <a:t>scoreY</a:t>
             </a:r>
             <a:r>
-              <a:rPr lang="en-US" dirty="0"/>
+              <a:rPr lang="en-US"/>
               <a:t>(X)) is greater than a threshold σ*, assign to same-author.</a:t>
             </a:r>
           </a:p>
@@ -19547,7 +19604,7 @@
           <a:p>
             <a:fld id="{1E9018E3-F371-4868-B708-55B0EBDFCDB1}" type="slidenum">
               <a:rPr lang="he-IL" smtClean="0"/>
-              <a:t>4</a:t>
+              <a:t>5</a:t>
             </a:fld>
             <a:endParaRPr lang="he-IL"/>
           </a:p>
@@ -19686,7 +19743,7 @@
           <a:p>
             <a:fld id="{1E9018E3-F371-4868-B708-55B0EBDFCDB1}" type="slidenum">
               <a:rPr lang="he-IL" smtClean="0"/>
-              <a:t>5</a:t>
+              <a:t>6</a:t>
             </a:fld>
             <a:endParaRPr lang="he-IL"/>
           </a:p>
@@ -19768,7 +19825,7 @@
           <a:lstStyle/>
           <a:p>
             <a:r>
-              <a:rPr lang="en-US" b="1" dirty="0">
+              <a:rPr lang="en-US" b="1">
                 <a:solidFill>
                   <a:srgbClr val="000000">
                     <a:alpha val="80000"/>
@@ -19778,7 +19835,7 @@
               <a:t>Mean Pooling:</a:t>
             </a:r>
             <a:r>
-              <a:rPr lang="en-US" dirty="0">
+              <a:rPr lang="en-US">
                 <a:solidFill>
                   <a:srgbClr val="000000">
                     <a:alpha val="80000"/>
@@ -19790,7 +19847,7 @@
           </a:p>
           <a:p>
             <a:r>
-              <a:rPr lang="en-US" b="1" dirty="0">
+              <a:rPr lang="en-US" b="1">
                 <a:solidFill>
                   <a:srgbClr val="000000">
                     <a:alpha val="80000"/>
@@ -19810,7 +19867,7 @@
               <a:t>ReLU</a:t>
             </a:r>
             <a:r>
-              <a:rPr lang="en-US" b="1" dirty="0">
+              <a:rPr lang="en-US" b="1">
                 <a:solidFill>
                   <a:srgbClr val="000000">
                     <a:alpha val="80000"/>
@@ -19820,7 +19877,7 @@
               <a:t>:</a:t>
             </a:r>
             <a:r>
-              <a:rPr lang="en-US" dirty="0">
+              <a:rPr lang="en-US">
                 <a:solidFill>
                   <a:srgbClr val="000000">
                     <a:alpha val="80000"/>
@@ -19855,7 +19912,7 @@
           <a:p>
             <a:fld id="{1E9018E3-F371-4868-B708-55B0EBDFCDB1}" type="slidenum">
               <a:rPr lang="he-IL" smtClean="0"/>
-              <a:t>6</a:t>
+              <a:t>7</a:t>
             </a:fld>
             <a:endParaRPr lang="he-IL"/>
           </a:p>
@@ -19919,7 +19976,7 @@
           <a:lstStyle/>
           <a:p>
             <a:r>
-              <a:rPr lang="en-US" sz="1200" b="1" dirty="0">
+              <a:rPr lang="en-US" sz="1200" b="1">
                 <a:solidFill>
                   <a:schemeClr val="tx1">
                     <a:alpha val="80000"/>
@@ -19929,7 +19986,7 @@
               <a:t>Input Processing: </a:t>
             </a:r>
             <a:r>
-              <a:rPr lang="en-US" sz="1200" dirty="0">
+              <a:rPr lang="en-US" sz="1200">
                 <a:solidFill>
                   <a:schemeClr val="tx1">
                     <a:alpha val="80000"/>
@@ -19941,7 +19998,7 @@
           </a:p>
           <a:p>
             <a:r>
-              <a:rPr lang="en-US" sz="1200" b="1" dirty="0">
+              <a:rPr lang="en-US" sz="1200" b="1">
                 <a:solidFill>
                   <a:schemeClr val="tx1">
                     <a:alpha val="80000"/>
@@ -19951,7 +20008,7 @@
               <a:t>Embedding Generation: </a:t>
             </a:r>
             <a:r>
-              <a:rPr lang="en-US" sz="1200" dirty="0">
+              <a:rPr lang="en-US" sz="1200">
                 <a:solidFill>
                   <a:schemeClr val="tx1">
                     <a:alpha val="80000"/>
@@ -19963,7 +20020,7 @@
           </a:p>
           <a:p>
             <a:r>
-              <a:rPr lang="en-US" sz="1200" b="1" dirty="0">
+              <a:rPr lang="en-US" sz="1200" b="1">
                 <a:solidFill>
                   <a:schemeClr val="tx1">
                     <a:alpha val="80000"/>
@@ -19973,7 +20030,7 @@
               <a:t>Anomaly Detection: </a:t>
             </a:r>
             <a:r>
-              <a:rPr lang="en-US" sz="1200" dirty="0">
+              <a:rPr lang="en-US" sz="1200">
                 <a:solidFill>
                   <a:schemeClr val="tx1">
                     <a:alpha val="80000"/>
@@ -20005,7 +20062,7 @@
           <a:p>
             <a:fld id="{1E9018E3-F371-4868-B708-55B0EBDFCDB1}" type="slidenum">
               <a:rPr lang="he-IL" smtClean="0"/>
-              <a:t>7</a:t>
+              <a:t>8</a:t>
             </a:fld>
             <a:endParaRPr lang="he-IL"/>
           </a:p>
@@ -20068,7 +20125,7 @@
           <a:bodyPr/>
           <a:lstStyle/>
           <a:p>
-            <a:endParaRPr lang="en-GB" dirty="0">
+            <a:endParaRPr lang="en-GB">
               <a:latin typeface="Abadi"/>
             </a:endParaRPr>
           </a:p>
@@ -20091,7 +20148,7 @@
           <a:p>
             <a:fld id="{1E9018E3-F371-4868-B708-55B0EBDFCDB1}" type="slidenum">
               <a:rPr lang="he-IL" smtClean="0"/>
-              <a:t>8</a:t>
+              <a:t>9</a:t>
             </a:fld>
             <a:endParaRPr lang="he-IL"/>
           </a:p>
@@ -20235,6 +20292,10 @@
             </a:r>
           </a:p>
           <a:p>
+            <a:r>
+              <a:rPr lang="en-US"/>
+              <a:t>Lemmatization involves grouping together the inflected forms of the same word</a:t>
+            </a:r>
             <a:endParaRPr lang="LID4096"/>
           </a:p>
         </p:txBody>
@@ -20256,7 +20317,7 @@
           <a:p>
             <a:fld id="{1E9018E3-F371-4868-B708-55B0EBDFCDB1}" type="slidenum">
               <a:rPr lang="he-IL" smtClean="0"/>
-              <a:t>9</a:t>
+              <a:t>10</a:t>
             </a:fld>
             <a:endParaRPr lang="he-IL"/>
           </a:p>
@@ -26334,15 +26395,15 @@
         <p:spPr>
           <a:xfrm>
             <a:off x="5200645" y="4167050"/>
-            <a:ext cx="3888764" cy="894707"/>
+            <a:ext cx="3873592" cy="894707"/>
           </a:xfrm>
           <a:prstGeom prst="rect">
             <a:avLst/>
           </a:prstGeom>
         </p:spPr>
         <p:txBody>
-          <a:bodyPr vert="horz" lIns="0" tIns="45720" rIns="0" bIns="45720" rtlCol="0">
-            <a:normAutofit lnSpcReduction="10000"/>
+          <a:bodyPr vert="horz" lIns="0" tIns="45720" rIns="0" bIns="45720" rtlCol="0" anchor="t">
+            <a:normAutofit fontScale="85000" lnSpcReduction="10000"/>
           </a:bodyPr>
           <a:lstStyle>
             <a:lvl1pPr marL="0" indent="0" algn="ctr" defTabSz="457200" rtl="0" eaLnBrk="1" latinLnBrk="0" hangingPunct="1">
@@ -26501,7 +26562,7 @@
           </a:lstStyle>
           <a:p>
             <a:r>
-              <a:rPr lang="en-US" sz="1600" b="1">
+              <a:rPr lang="en-US" sz="1600" b="1" dirty="0">
                 <a:solidFill>
                   <a:schemeClr val="tx1">
                     <a:lumMod val="75000"/>
@@ -26518,87 +26579,87 @@
           <a:p>
             <a:pPr lvl="1" algn="l"/>
             <a:r>
-              <a:rPr lang="en-US" sz="1600" b="1">
+              <a:rPr lang="en-US" sz="1600" b="1" dirty="0">
                 <a:solidFill>
                   <a:schemeClr val="tx1">
                     <a:lumMod val="75000"/>
                     <a:lumOff val="25000"/>
                   </a:schemeClr>
                 </a:solidFill>
-                <a:latin typeface="Abadi" panose="020B0604020104020204" pitchFamily="34" charset="0"/>
-                <a:ea typeface="ADLaM Display" panose="020F0502020204030204" pitchFamily="2" charset="0"/>
-                <a:cs typeface="ADLaM Display" panose="020F0502020204030204" pitchFamily="2" charset="0"/>
+                <a:latin typeface="Abadi"/>
+                <a:ea typeface="ADLaM Display"/>
+                <a:cs typeface="ADLaM Display"/>
               </a:rPr>
-              <a:t>Zeev Volkovich </a:t>
-            </a:r>
-            <a:r>
-              <a:rPr lang="en-US" sz="1600" b="1">
+              <a:t>Prof. Zeev Volkovich </a:t>
+            </a:r>
+            <a:r>
+              <a:rPr lang="en-US" sz="1600" b="1" dirty="0">
+                <a:solidFill>
+                  <a:srgbClr val="0070C0"/>
+                </a:solidFill>
+                <a:latin typeface="Abadi"/>
+                <a:ea typeface="ADLaM Display"/>
+                <a:cs typeface="ADLaM Display"/>
+                <a:hlinkClick r:id="rId3">
+                  <a:extLst>
+                    <a:ext uri="{A12FA001-AC4F-418D-AE19-62706E023703}">
+                      <ahyp:hlinkClr xmlns:ahyp="http://schemas.microsoft.com/office/drawing/2018/hyperlinkcolor" val="tx"/>
+                    </a:ext>
+                  </a:extLst>
+                </a:hlinkClick>
+              </a:rPr>
+              <a:t>vlvolkov@braude.ac.il</a:t>
+            </a:r>
+            <a:endParaRPr lang="en-US" sz="1600" b="1">
+              <a:solidFill>
+                <a:srgbClr val="0070C0"/>
+              </a:solidFill>
+              <a:latin typeface="Abadi"/>
+              <a:ea typeface="ADLaM Display"/>
+              <a:cs typeface="ADLaM Display"/>
+            </a:endParaRPr>
+          </a:p>
+          <a:p>
+            <a:pPr lvl="1" algn="l"/>
+            <a:r>
+              <a:rPr lang="en-US" sz="1600" b="1" dirty="0">
                 <a:solidFill>
                   <a:schemeClr val="tx1">
                     <a:lumMod val="75000"/>
                     <a:lumOff val="25000"/>
                   </a:schemeClr>
                 </a:solidFill>
-                <a:latin typeface="Abadi" panose="020B0604020104020204" pitchFamily="34" charset="0"/>
-                <a:ea typeface="ADLaM Display" panose="020F0502020204030204" pitchFamily="2" charset="0"/>
-                <a:cs typeface="ADLaM Display" panose="020F0502020204030204" pitchFamily="2" charset="0"/>
-                <a:hlinkClick r:id="rId3"/>
+                <a:latin typeface="Abadi"/>
+                <a:ea typeface="ADLaM Display"/>
+                <a:cs typeface="ADLaM Display"/>
               </a:rPr>
-              <a:t>vlvolkov@braude.ac.il</a:t>
+              <a:t>Dr. Renata Avros 	</a:t>
+            </a:r>
+            <a:r>
+              <a:rPr lang="en-US" sz="1600" b="1" dirty="0">
+                <a:solidFill>
+                  <a:srgbClr val="0070C0"/>
+                </a:solidFill>
+                <a:latin typeface="Abadi"/>
+                <a:ea typeface="ADLaM Display"/>
+                <a:cs typeface="ADLaM Display"/>
+                <a:hlinkClick r:id="rId4">
+                  <a:extLst>
+                    <a:ext uri="{A12FA001-AC4F-418D-AE19-62706E023703}">
+                      <ahyp:hlinkClr xmlns:ahyp="http://schemas.microsoft.com/office/drawing/2018/hyperlinkcolor" val="tx"/>
+                    </a:ext>
+                  </a:extLst>
+                </a:hlinkClick>
+              </a:rPr>
+              <a:t>ravros@braude.ac.il</a:t>
             </a:r>
             <a:endParaRPr lang="en-US" sz="1600" b="1">
               <a:solidFill>
-                <a:schemeClr val="tx1">
-                  <a:lumMod val="75000"/>
-                  <a:lumOff val="25000"/>
-                </a:schemeClr>
+                <a:srgbClr val="0070C0"/>
               </a:solidFill>
-              <a:latin typeface="Abadi" panose="020B0604020104020204" pitchFamily="34" charset="0"/>
-              <a:ea typeface="ADLaM Display" panose="020F0502020204030204" pitchFamily="2" charset="0"/>
-              <a:cs typeface="ADLaM Display" panose="020F0502020204030204" pitchFamily="2" charset="0"/>
-            </a:endParaRPr>
-          </a:p>
-          <a:p>
-            <a:pPr lvl="1" algn="l"/>
-            <a:r>
-              <a:rPr lang="en-US" sz="1600" b="1">
-                <a:solidFill>
-                  <a:schemeClr val="tx1">
-                    <a:lumMod val="75000"/>
-                    <a:lumOff val="25000"/>
-                  </a:schemeClr>
-                </a:solidFill>
-                <a:latin typeface="Abadi" panose="020B0604020104020204" pitchFamily="34" charset="0"/>
-                <a:ea typeface="ADLaM Display" panose="020F0502020204030204" pitchFamily="2" charset="0"/>
-                <a:cs typeface="ADLaM Display" panose="020F0502020204030204" pitchFamily="2" charset="0"/>
-              </a:rPr>
-              <a:t>Renata Avros 	</a:t>
-            </a:r>
-            <a:r>
-              <a:rPr lang="en-US" sz="1600" b="1">
-                <a:solidFill>
-                  <a:schemeClr val="tx1">
-                    <a:lumMod val="75000"/>
-                    <a:lumOff val="25000"/>
-                  </a:schemeClr>
-                </a:solidFill>
-                <a:latin typeface="Abadi" panose="020B0604020104020204" pitchFamily="34" charset="0"/>
-                <a:ea typeface="ADLaM Display" panose="020F0502020204030204" pitchFamily="2" charset="0"/>
-                <a:cs typeface="ADLaM Display" panose="020F0502020204030204" pitchFamily="2" charset="0"/>
-                <a:hlinkClick r:id="rId4"/>
-              </a:rPr>
-              <a:t>ravros@braude.ac.il</a:t>
-            </a:r>
-            <a:endParaRPr lang="en-US" sz="1600" b="1">
-              <a:solidFill>
-                <a:schemeClr val="tx1">
-                  <a:lumMod val="75000"/>
-                  <a:lumOff val="25000"/>
-                </a:schemeClr>
-              </a:solidFill>
-              <a:latin typeface="Abadi" panose="020B0604020104020204" pitchFamily="34" charset="0"/>
-              <a:ea typeface="ADLaM Display" panose="020F0502020204030204" pitchFamily="2" charset="0"/>
-              <a:cs typeface="ADLaM Display" panose="020F0502020204030204" pitchFamily="2" charset="0"/>
+              <a:latin typeface="Abadi"/>
+              <a:ea typeface="ADLaM Display"/>
+              <a:cs typeface="ADLaM Display"/>
             </a:endParaRPr>
           </a:p>
         </p:txBody>
@@ -26674,7 +26735,7 @@
           <a:p>
             <a:pPr algn="ctr"/>
             <a:r>
-              <a:rPr lang="en-US" dirty="0">
+              <a:rPr lang="en-US">
                 <a:latin typeface="Abadi" panose="020B0604020104020204" pitchFamily="34" charset="0"/>
               </a:rPr>
               <a:t>25-1-R-17</a:t>
@@ -26712,7 +26773,7 @@
           <a:p>
             <a:pPr lvl="1" algn="ctr"/>
             <a:r>
-              <a:rPr lang="en-US" sz="1600" b="1" dirty="0">
+              <a:rPr lang="en-US" sz="1600" b="1">
                 <a:solidFill>
                   <a:schemeClr val="tx1">
                     <a:lumMod val="75000"/>
@@ -26729,7 +26790,7 @@
           <a:p>
             <a:pPr lvl="1" algn="ctr"/>
             <a:r>
-              <a:rPr lang="en-US" sz="1600" b="1" dirty="0">
+              <a:rPr lang="en-US" sz="1600" b="1">
                 <a:solidFill>
                   <a:schemeClr val="tx1">
                     <a:lumMod val="75000"/>
@@ -26796,7 +26857,7 @@
           <a:lstStyle/>
           <a:p>
             <a:r>
-              <a:rPr lang="en-US" sz="2800" dirty="0">
+              <a:rPr lang="en-US" sz="2800">
                 <a:latin typeface="Abadi" panose="020B0604020104020204" pitchFamily="34" charset="0"/>
               </a:rPr>
               <a:t>Input Processing</a:t>
@@ -27568,19 +27629,19 @@
               <a:buChar char="Ø"/>
             </a:pPr>
             <a:r>
-              <a:rPr lang="en-US" sz="1600" kern="1200" dirty="0">
+              <a:rPr lang="en-US" sz="1600" kern="1200">
                 <a:latin typeface="Abadi"/>
               </a:rPr>
               <a:t>Chunking </a:t>
             </a:r>
             <a:r>
-              <a:rPr lang="en-US" sz="1600" dirty="0">
+              <a:rPr lang="en-US" sz="1600">
                 <a:latin typeface="Abadi"/>
               </a:rPr>
               <a:t>Methods</a:t>
             </a:r>
             <a:r>
-              <a:rPr lang="en-US" sz="1600" kern="1200" dirty="0">
+              <a:rPr lang="en-US" sz="1600" kern="1200">
                 <a:latin typeface="Abadi"/>
               </a:rPr>
               <a:t>.</a:t>
@@ -27648,43 +27709,43 @@
               <a:buChar char="Ø"/>
             </a:pPr>
             <a:r>
-              <a:rPr lang="en-US" sz="1600" kern="1200" dirty="0">
+              <a:rPr lang="en-US" sz="1600" kern="1200">
                 <a:latin typeface="Abadi"/>
               </a:rPr>
               <a:t>Text </a:t>
             </a:r>
             <a:r>
-              <a:rPr lang="en-US" sz="1600" dirty="0">
+              <a:rPr lang="en-US" sz="1600">
                 <a:latin typeface="Abadi"/>
               </a:rPr>
               <a:t>Tokenization</a:t>
             </a:r>
             <a:r>
-              <a:rPr lang="en-US" sz="1600" kern="1200" dirty="0">
+              <a:rPr lang="en-US" sz="1600" kern="1200">
                 <a:latin typeface="Abadi"/>
               </a:rPr>
               <a:t> using BERT’s </a:t>
             </a:r>
             <a:r>
-              <a:rPr lang="en-US" sz="1600" kern="1200" dirty="0" err="1">
+              <a:rPr lang="en-US" sz="1600" kern="1200" err="1">
                 <a:latin typeface="Abadi"/>
               </a:rPr>
               <a:t>WordPiece</a:t>
             </a:r>
             <a:r>
-              <a:rPr lang="en-US" sz="1600" kern="1200" dirty="0">
+              <a:rPr lang="en-US" sz="1600" kern="1200">
                 <a:latin typeface="Abadi"/>
               </a:rPr>
               <a:t> </a:t>
             </a:r>
             <a:r>
-              <a:rPr lang="en-US" sz="1600" dirty="0">
+              <a:rPr lang="en-US" sz="1600">
                 <a:latin typeface="Abadi"/>
               </a:rPr>
               <a:t>Tokenizer</a:t>
             </a:r>
             <a:r>
-              <a:rPr lang="en-US" sz="1600" kern="1200" dirty="0">
+              <a:rPr lang="en-US" sz="1600" kern="1200">
                 <a:latin typeface="Abadi"/>
               </a:rPr>
               <a:t>.</a:t>
@@ -27752,43 +27813,43 @@
               <a:buChar char="Ø"/>
             </a:pPr>
             <a:r>
-              <a:rPr lang="en-US" sz="1600" kern="1200" dirty="0">
+              <a:rPr lang="en-US" sz="1600" kern="1200">
                 <a:latin typeface="Abadi"/>
               </a:rPr>
               <a:t>Lemmatization and </a:t>
             </a:r>
             <a:r>
-              <a:rPr lang="en-US" sz="1600" dirty="0">
+              <a:rPr lang="en-US" sz="1600">
                 <a:latin typeface="Abadi"/>
               </a:rPr>
               <a:t>Punctuation</a:t>
             </a:r>
             <a:r>
-              <a:rPr lang="en-US" sz="1600" kern="1200" dirty="0">
+              <a:rPr lang="en-US" sz="1600" kern="1200">
                 <a:latin typeface="Abadi"/>
               </a:rPr>
               <a:t> </a:t>
             </a:r>
             <a:r>
-              <a:rPr lang="en-US" sz="1600" dirty="0">
+              <a:rPr lang="en-US" sz="1600">
                 <a:latin typeface="Abadi"/>
               </a:rPr>
               <a:t>Mark</a:t>
             </a:r>
             <a:r>
-              <a:rPr lang="en-US" sz="1600" kern="1200" dirty="0">
+              <a:rPr lang="en-US" sz="1600" kern="1200">
                 <a:latin typeface="Abadi"/>
               </a:rPr>
               <a:t> </a:t>
             </a:r>
             <a:r>
-              <a:rPr lang="en-US" sz="1600" dirty="0">
+              <a:rPr lang="en-US" sz="1600">
                 <a:latin typeface="Abadi"/>
               </a:rPr>
               <a:t>Removal</a:t>
             </a:r>
             <a:r>
-              <a:rPr lang="en-US" sz="1600" kern="1200" dirty="0">
+              <a:rPr lang="en-US" sz="1600" kern="1200">
                 <a:latin typeface="Abadi"/>
               </a:rPr>
               <a:t>.</a:t>
@@ -27967,7 +28028,7 @@
               </a:lnSpc>
             </a:pPr>
             <a:r>
-              <a:rPr lang="en-US" sz="2400" dirty="0">
+              <a:rPr lang="en-US" sz="2400">
                 <a:latin typeface="Abadi" panose="020B0604020104020204" pitchFamily="34" charset="0"/>
               </a:rPr>
               <a:t>Embedding Generation with BERT (English)</a:t>
@@ -28273,12 +28334,12 @@
               </a:lnSpc>
             </a:pPr>
             <a:r>
-              <a:rPr lang="en-US" sz="2800" dirty="0">
+              <a:rPr lang="en-US" sz="2800">
                 <a:latin typeface="Abadi"/>
               </a:rPr>
               <a:t>Embedding Refinement and Feature Retention</a:t>
             </a:r>
-            <a:endParaRPr lang="en-US" sz="2800" dirty="0">
+            <a:endParaRPr lang="en-US" sz="2800">
               <a:latin typeface="Abadi" panose="020B0604020104020204" pitchFamily="34" charset="0"/>
             </a:endParaRPr>
           </a:p>
@@ -28883,7 +28944,7 @@
           <a:lstStyle/>
           <a:p>
             <a:r>
-              <a:rPr lang="en-US" sz="2800" dirty="0">
+              <a:rPr lang="en-US" sz="2800">
                 <a:latin typeface="Abadi" panose="020B0604020104020204" pitchFamily="34" charset="0"/>
               </a:rPr>
               <a:t>Siamese Networks for Comparison</a:t>
@@ -28951,7 +29012,7 @@
           <a:lstStyle/>
           <a:p>
             <a:r>
-              <a:rPr lang="en-US" sz="1600" dirty="0">
+              <a:rPr lang="en-US" sz="1600">
                 <a:latin typeface="Abadi"/>
               </a:rPr>
               <a:t>Siamese networks are a type of neural network architecture that are efficient for:</a:t>
@@ -28963,7 +29024,7 @@
               <a:buAutoNum type="arabicPeriod"/>
             </a:pPr>
             <a:r>
-              <a:rPr lang="en-US" sz="1600" dirty="0">
+              <a:rPr lang="en-US" sz="1600">
                 <a:latin typeface="Abadi"/>
               </a:rPr>
               <a:t>Pairwise comparisons.</a:t>
@@ -28975,7 +29036,7 @@
               <a:buAutoNum type="arabicPeriod"/>
             </a:pPr>
             <a:r>
-              <a:rPr lang="en-US" sz="1600" dirty="0">
+              <a:rPr lang="en-US" sz="1600">
                 <a:latin typeface="Abadi"/>
               </a:rPr>
               <a:t>Learning to minimize or maximize distance between embeddings.</a:t>
@@ -28987,7 +29048,7 @@
               <a:buAutoNum type="arabicPeriod"/>
             </a:pPr>
             <a:r>
-              <a:rPr lang="en-US" sz="1600" dirty="0">
+              <a:rPr lang="en-US" sz="1600">
                 <a:latin typeface="Abadi"/>
               </a:rPr>
               <a:t>Learning similarity functions that generalize well to unseen text pairs.</a:t>
@@ -28995,7 +29056,7 @@
           </a:p>
           <a:p>
             <a:pPr lvl="1"/>
-            <a:endParaRPr lang="en-US" sz="1600" dirty="0">
+            <a:endParaRPr lang="en-US" sz="1600">
               <a:latin typeface="Abadi" panose="020B0604020104020204" pitchFamily="34" charset="0"/>
             </a:endParaRPr>
           </a:p>
@@ -29005,7 +29066,7 @@
               <a:buChar char="Ø"/>
             </a:pPr>
             <a:r>
-              <a:rPr lang="en-US" sz="1600" dirty="0">
+              <a:rPr lang="en-US" sz="1600">
                 <a:latin typeface="Abadi"/>
               </a:rPr>
               <a:t>Optimized using the binary cross-entropy loss function for loss calculation.</a:t>
@@ -29017,7 +29078,7 @@
               <a:buChar char="Ø"/>
             </a:pPr>
             <a:r>
-              <a:rPr lang="en-US" sz="1600" dirty="0">
+              <a:rPr lang="en-US" sz="1600">
                 <a:latin typeface="Abadi"/>
               </a:rPr>
               <a:t>Adept at handling text variability, adversarial mimicry, and sparse datasets.</a:t>
@@ -29028,7 +29089,7 @@
               <a:buFont typeface="+mj-lt"/>
               <a:buAutoNum type="arabicPeriod"/>
             </a:pPr>
-            <a:endParaRPr lang="en-US" sz="1600" dirty="0">
+            <a:endParaRPr lang="en-US" sz="1600">
               <a:latin typeface="Abadi" panose="020B0604020104020204" pitchFamily="34" charset="0"/>
             </a:endParaRPr>
           </a:p>
@@ -29037,7 +29098,7 @@
               <a:buFont typeface="+mj-lt"/>
               <a:buAutoNum type="arabicPeriod"/>
             </a:pPr>
-            <a:endParaRPr lang="en-US" sz="1600" dirty="0">
+            <a:endParaRPr lang="en-US" sz="1600">
               <a:latin typeface="Abadi" panose="020B0604020104020204" pitchFamily="34" charset="0"/>
             </a:endParaRPr>
           </a:p>
@@ -29046,7 +29107,7 @@
               <a:buFont typeface="+mj-lt"/>
               <a:buAutoNum type="arabicPeriod"/>
             </a:pPr>
-            <a:endParaRPr lang="en-US" sz="1600" dirty="0">
+            <a:endParaRPr lang="en-US" sz="1600">
               <a:latin typeface="Abadi" panose="020B0604020104020204" pitchFamily="34" charset="0"/>
             </a:endParaRPr>
           </a:p>
@@ -29182,18 +29243,18 @@
               </a:lnSpc>
             </a:pPr>
             <a:r>
-              <a:rPr lang="en-US" sz="2800" dirty="0">
+              <a:rPr lang="en-US" sz="2800">
                 <a:latin typeface="Abadi" panose="020B0604020104020204" pitchFamily="34" charset="0"/>
               </a:rPr>
               <a:t>Dynamic Time Warping</a:t>
             </a:r>
             <a:br>
-              <a:rPr lang="en-US" sz="2800" dirty="0">
+              <a:rPr lang="en-US" sz="2800">
                 <a:latin typeface="Abadi" panose="020B0604020104020204" pitchFamily="34" charset="0"/>
               </a:rPr>
             </a:br>
             <a:r>
-              <a:rPr lang="en-US" sz="2800" dirty="0">
+              <a:rPr lang="en-US" sz="2800">
                 <a:latin typeface="Abadi" panose="020B0604020104020204" pitchFamily="34" charset="0"/>
               </a:rPr>
               <a:t>(DTW)</a:t>
@@ -29223,7 +29284,7 @@
           </a:prstGeom>
         </p:spPr>
         <p:txBody>
-          <a:bodyPr vert="horz" lIns="91440" tIns="45720" rIns="91440" bIns="45720" rtlCol="0">
+          <a:bodyPr vert="horz" lIns="91440" tIns="45720" rIns="91440" bIns="45720" rtlCol="0" anchor="t">
             <a:normAutofit/>
           </a:bodyPr>
           <a:lstStyle/>
@@ -29239,14 +29300,14 @@
               <a:buChar char="Ø"/>
             </a:pPr>
             <a:r>
-              <a:rPr lang="en-US" sz="1600" dirty="0"/>
+              <a:rPr lang="en-US" sz="1600"/>
               <a:t>S</a:t>
             </a:r>
             <a:r>
-              <a:rPr lang="en-US" sz="1600" i="0" u="none" dirty="0"/>
+              <a:rPr lang="en-US" sz="1600" i="0" u="none"/>
               <a:t>equence Alignment Algorithm.</a:t>
             </a:r>
-            <a:endParaRPr lang="en-US" sz="1600" dirty="0"/>
+            <a:endParaRPr lang="en-US" sz="1600"/>
           </a:p>
           <a:p>
             <a:pPr marL="342900" lvl="0" indent="-285750" defTabSz="914400">
@@ -29260,7 +29321,7 @@
               <a:buChar char="Ø"/>
             </a:pPr>
             <a:r>
-              <a:rPr lang="en-US" sz="1600" dirty="0"/>
+              <a:rPr lang="en-US" sz="1600"/>
               <a:t>Accounts for Variations in Writing Rhythm and Structure.</a:t>
             </a:r>
           </a:p>
@@ -29276,12 +29337,12 @@
               <a:buChar char="Ø"/>
             </a:pPr>
             <a:r>
-              <a:rPr lang="en-US" sz="1600" dirty="0"/>
+              <a:rPr lang="en-US" sz="1600"/>
               <a:t>Utilizes Temporal Alignment.</a:t>
             </a:r>
           </a:p>
           <a:p>
-            <a:pPr marL="342900" lvl="0" indent="-285750" defTabSz="914400">
+            <a:pPr marL="342900" indent="-285750" defTabSz="914400">
               <a:lnSpc>
                 <a:spcPct val="90000"/>
               </a:lnSpc>
@@ -29292,12 +29353,12 @@
               <a:buChar char="Ø"/>
             </a:pPr>
             <a:r>
-              <a:rPr lang="en-US" sz="1600" dirty="0"/>
-              <a:t>Robust against noisy of fragmented data.</a:t>
-            </a:r>
-          </a:p>
-          <a:p>
-            <a:pPr marL="342900" lvl="0" indent="-285750" defTabSz="914400">
+              <a:rPr lang="en-US" sz="1600"/>
+              <a:t>Robust Against Noisy of Fragmented Data.</a:t>
+            </a:r>
+          </a:p>
+          <a:p>
+            <a:pPr marL="800100" lvl="1" indent="-285750" defTabSz="914400">
               <a:lnSpc>
                 <a:spcPct val="90000"/>
               </a:lnSpc>
@@ -29307,7 +29368,7 @@
               <a:buFont typeface="Wingdings" panose="05000000000000000000" pitchFamily="2" charset="2"/>
               <a:buChar char="Ø"/>
             </a:pPr>
-            <a:endParaRPr lang="en-US" sz="1600" b="1" dirty="0"/>
+            <a:endParaRPr lang="en-US" sz="1600" b="1"/>
           </a:p>
           <a:p>
             <a:pPr marL="57150" lvl="0" defTabSz="914400">
@@ -29319,7 +29380,7 @@
               </a:spcAft>
             </a:pPr>
             <a:r>
-              <a:rPr lang="en-US" sz="1600" b="1" dirty="0"/>
+              <a:rPr lang="en-US" sz="1600" b="1"/>
               <a:t>We are primarily interested in the distance matrix of the two time-series, produced by the algorithm.</a:t>
             </a:r>
           </a:p>
@@ -29407,7 +29468,7 @@
           <a:lstStyle/>
           <a:p>
             <a:r>
-              <a:rPr lang="en-US" sz="2800" dirty="0">
+              <a:rPr lang="en-US" sz="2800">
                 <a:latin typeface="Abadi" panose="020B0604020104020204" pitchFamily="34" charset="0"/>
               </a:rPr>
               <a:t>Anomaly Detection</a:t>
@@ -29446,7 +29507,7 @@
                   <a:buChar char="Ø"/>
                 </a:pPr>
                 <a:r>
-                  <a:rPr lang="en-US" sz="1600" dirty="0">
+                  <a:rPr lang="en-US" sz="1600">
                     <a:latin typeface="Abadi" panose="020B0604020104020204" pitchFamily="34" charset="0"/>
                   </a:rPr>
                   <a:t>Data points are given an anomaly score </a:t>
@@ -29499,7 +29560,7 @@
                   </m:oMath>
                 </a14:m>
                 <a:r>
-                  <a:rPr lang="en-US" sz="1600" dirty="0">
+                  <a:rPr lang="en-US" sz="1600">
                     <a:latin typeface="Abadi" panose="020B0604020104020204" pitchFamily="34" charset="0"/>
                   </a:rPr>
                   <a:t>.</a:t>
@@ -29513,18 +29574,18 @@
                   <a:buChar char="Ø"/>
                 </a:pPr>
                 <a:r>
-                  <a:rPr lang="en-US" sz="1600" dirty="0">
+                  <a:rPr lang="en-US" sz="1600">
                     <a:latin typeface="Abadi" panose="020B0604020104020204" pitchFamily="34" charset="0"/>
                   </a:rPr>
                   <a:t>Scores closer to 1 means data point is more likely to be an anomaly.</a:t>
                 </a:r>
                 <a:br>
-                  <a:rPr lang="en-US" sz="1600" dirty="0">
+                  <a:rPr lang="en-US" sz="1600">
                     <a:latin typeface="Abadi" panose="020B0604020104020204" pitchFamily="34" charset="0"/>
                   </a:rPr>
                 </a:br>
                 <a:r>
-                  <a:rPr lang="en-US" sz="1600" dirty="0">
+                  <a:rPr lang="en-US" sz="1600">
                     <a:latin typeface="Abadi" panose="020B0604020104020204" pitchFamily="34" charset="0"/>
                   </a:rPr>
                   <a:t>In contrast, closer to 0 indicates likeliness to be more “normal”.</a:t>
@@ -29538,7 +29599,7 @@
                   <a:buChar char="Ø"/>
                 </a:pPr>
                 <a:r>
-                  <a:rPr lang="en-US" sz="1600" dirty="0">
+                  <a:rPr lang="en-US" sz="1600">
                     <a:latin typeface="Abadi" panose="020B0604020104020204" pitchFamily="34" charset="0"/>
                   </a:rPr>
                   <a:t>Noisy or malicious data have no impact on the results.</a:t>
@@ -29575,7 +29636,7 @@
               <a:lstStyle/>
               <a:p>
                 <a:r>
-                  <a:rPr lang="en-IL">
+                  <a:rPr lang="en-US">
                     <a:noFill/>
                   </a:rPr>
                   <a:t> </a:t>
@@ -29614,7 +29675,7 @@
           <a:lstStyle/>
           <a:p>
             <a:r>
-              <a:rPr lang="en-US" sz="1600" dirty="0">
+              <a:rPr lang="en-US" sz="1600">
                 <a:latin typeface="Abadi" panose="020B0604020104020204" pitchFamily="34" charset="0"/>
               </a:rPr>
               <a:t>Anomaly detection focuses on finding outliers–data points that are significantly different from the general stylistic patterns in a dataset.</a:t>
@@ -29651,7 +29712,7 @@
           <a:lstStyle/>
           <a:p>
             <a:r>
-              <a:rPr lang="en-US" sz="1600" b="1" dirty="0">
+              <a:rPr lang="en-US" sz="1600" b="1">
                 <a:latin typeface="Abadi" panose="020B0604020104020204" pitchFamily="34" charset="0"/>
               </a:rPr>
               <a:t>Isolation Forest Algorithm</a:t>
@@ -29722,7 +29783,7 @@
           <a:lstStyle/>
           <a:p>
             <a:r>
-              <a:rPr lang="en-US" sz="2800" dirty="0">
+              <a:rPr lang="en-US" sz="2800">
                 <a:latin typeface="Abadi" panose="020B0604020104020204" pitchFamily="34" charset="0"/>
               </a:rPr>
               <a:t>Clustering</a:t>
@@ -29759,7 +29820,7 @@
           <a:lstStyle/>
           <a:p>
             <a:r>
-              <a:rPr lang="en-US" sz="1600" dirty="0">
+              <a:rPr lang="en-US" sz="1600">
                 <a:latin typeface="Abadi" panose="020B0604020104020204" pitchFamily="34" charset="0"/>
               </a:rPr>
               <a:t>Clustering groups data points based on similarity, addressing noise and outliers effectively.</a:t>
@@ -29796,7 +29857,7 @@
           <a:lstStyle/>
           <a:p>
             <a:r>
-              <a:rPr lang="en-US" sz="1600" b="1" dirty="0">
+              <a:rPr lang="en-US" sz="1600" b="1">
                 <a:latin typeface="Abadi" panose="020B0604020104020204" pitchFamily="34" charset="0"/>
               </a:rPr>
               <a:t>K-Medoids Clustering Algorithm</a:t>
@@ -29976,7 +30037,7 @@
                   <a:buChar char="Ø"/>
                 </a:pPr>
                 <a:r>
-                  <a:rPr lang="en-US" sz="1400" dirty="0">
+                  <a:rPr lang="en-US" sz="1400">
                     <a:latin typeface="Abadi" panose="020B0604020104020204" pitchFamily="34" charset="0"/>
                   </a:rPr>
                   <a:t>Selects actual data points (medoids) as cluster centers, unlike K-Means.</a:t>
@@ -29988,7 +30049,7 @@
                   <a:buChar char="Ø"/>
                 </a:pPr>
                 <a:r>
-                  <a:rPr lang="en-US" sz="1400" dirty="0">
+                  <a:rPr lang="en-US" sz="1400">
                     <a:latin typeface="Abadi" panose="020B0604020104020204" pitchFamily="34" charset="0"/>
                   </a:rPr>
                   <a:t>Capable of dealing with noise and outliers.</a:t>
@@ -30000,7 +30061,7 @@
                   <a:buChar char="Ø"/>
                 </a:pPr>
                 <a:r>
-                  <a:rPr lang="en-US" sz="1400" dirty="0">
+                  <a:rPr lang="en-US" sz="1400">
                     <a:latin typeface="Abadi" panose="020B0604020104020204" pitchFamily="34" charset="0"/>
                   </a:rPr>
                   <a:t>Separates anomaly scores into two clusters </a:t>
@@ -30040,7 +30101,7 @@
                   </m:oMath>
                 </a14:m>
                 <a:r>
-                  <a:rPr lang="en-US" sz="1400" dirty="0">
+                  <a:rPr lang="en-US" sz="1400">
                     <a:latin typeface="Abadi" panose="020B0604020104020204" pitchFamily="34" charset="0"/>
                   </a:rPr>
                   <a:t>:</a:t>
@@ -30052,7 +30113,7 @@
                   <a:buChar char="v"/>
                 </a:pPr>
                 <a:r>
-                  <a:rPr lang="en-US" sz="1400" dirty="0">
+                  <a:rPr lang="en-US" sz="1400">
                     <a:latin typeface="Abadi" panose="020B0604020104020204" pitchFamily="34" charset="0"/>
                   </a:rPr>
                   <a:t>Outliers (impostors and pseudo-Shakespearian texts).</a:t>
@@ -30064,7 +30125,7 @@
                   <a:buChar char="v"/>
                 </a:pPr>
                 <a:r>
-                  <a:rPr lang="en-US" sz="1400" dirty="0">
+                  <a:rPr lang="en-US" sz="1400">
                     <a:latin typeface="Abadi" panose="020B0604020104020204" pitchFamily="34" charset="0"/>
                   </a:rPr>
                   <a:t>“Normal” texts (Shakespearian).</a:t>
@@ -30099,7 +30160,7 @@
               <a:blipFill>
                 <a:blip r:embed="rId3"/>
                 <a:stretch>
-                  <a:fillRect l="-369" t="-1079" r="-738" b="-32014"/>
+                  <a:fillRect l="-369" t="-719" b="-32374"/>
                 </a:stretch>
               </a:blipFill>
             </p:spPr>
@@ -30108,7 +30169,7 @@
               <a:lstStyle/>
               <a:p>
                 <a:r>
-                  <a:rPr lang="en-IL">
+                  <a:rPr lang="en-US">
                     <a:noFill/>
                   </a:rPr>
                   <a:t> </a:t>
@@ -30227,7 +30288,7 @@
           <a:lstStyle/>
           <a:p>
             <a:r>
-              <a:rPr lang="en-US" sz="2800" dirty="0">
+              <a:rPr lang="en-US" sz="2800">
                 <a:latin typeface="Abadi"/>
               </a:rPr>
               <a:t>Sequence Diagrams</a:t>
@@ -30274,6 +30335,9 @@
   <p:clrMapOvr>
     <a:masterClrMapping/>
   </p:clrMapOvr>
+  <p:transition spd="med">
+    <p:cover/>
+  </p:transition>
 </p:sld>
 </file>
 
@@ -30323,7 +30387,7 @@
           <a:lstStyle/>
           <a:p>
             <a:r>
-              <a:rPr lang="en-US" sz="2800" dirty="0">
+              <a:rPr lang="en-US" sz="2800">
                 <a:latin typeface="Abadi"/>
               </a:rPr>
               <a:t>Sequence Diagrams Contd.</a:t>
@@ -30370,6 +30434,9 @@
   <p:clrMapOvr>
     <a:masterClrMapping/>
   </p:clrMapOvr>
+  <p:transition spd="med">
+    <p:cover/>
+  </p:transition>
 </p:sld>
 </file>
 
@@ -30419,7 +30486,7 @@
           <a:lstStyle/>
           <a:p>
             <a:r>
-              <a:rPr lang="en-US" sz="2800" dirty="0">
+              <a:rPr lang="en-US" sz="2800">
                 <a:latin typeface="Abadi"/>
               </a:rPr>
               <a:t>Sequence Diagrams Contd.</a:t>
@@ -30466,6 +30533,9 @@
   <p:clrMapOvr>
     <a:masterClrMapping/>
   </p:clrMapOvr>
+  <p:transition spd="med">
+    <p:cover/>
+  </p:transition>
 </p:sld>
 </file>
 
@@ -30514,7 +30584,7 @@
               </a:lnSpc>
             </a:pPr>
             <a:r>
-              <a:rPr lang="en-US" sz="2800" kern="1200" dirty="0">
+              <a:rPr lang="en-US" sz="2800" kern="1200">
                 <a:solidFill>
                   <a:schemeClr val="tx1"/>
                 </a:solidFill>
@@ -30557,7 +30627,7 @@
               <a:buNone/>
             </a:pPr>
             <a:r>
-              <a:rPr lang="en-US" sz="1600" kern="1200" dirty="0">
+              <a:rPr lang="en-US" sz="1600" kern="1200">
                 <a:solidFill>
                   <a:schemeClr val="tx1"/>
                 </a:solidFill>
@@ -30566,12 +30636,12 @@
               <a:t>Authorship verification determines</a:t>
             </a:r>
             <a:br>
-              <a:rPr lang="en-US" sz="1600" dirty="0">
+              <a:rPr lang="en-US" sz="1600">
                 <a:latin typeface="Abadi" panose="020B0604020104020204" pitchFamily="34" charset="0"/>
               </a:rPr>
             </a:br>
             <a:r>
-              <a:rPr lang="en-US" sz="1600" kern="1200" dirty="0">
+              <a:rPr lang="en-US" sz="1600" kern="1200">
                 <a:solidFill>
                   <a:schemeClr val="tx1"/>
                 </a:solidFill>
@@ -30580,7 +30650,7 @@
               <a:t>whether two given texts are authored</a:t>
             </a:r>
             <a:br>
-              <a:rPr lang="en-US" sz="1600" kern="1200" dirty="0">
+              <a:rPr lang="en-US" sz="1600" kern="1200">
                 <a:solidFill>
                   <a:schemeClr val="tx1"/>
                 </a:solidFill>
@@ -30588,7 +30658,7 @@
               </a:rPr>
             </a:br>
             <a:r>
-              <a:rPr lang="en-US" sz="1600" kern="1200" dirty="0">
+              <a:rPr lang="en-US" sz="1600" kern="1200">
                 <a:solidFill>
                   <a:schemeClr val="tx1"/>
                 </a:solidFill>
@@ -30698,7 +30768,7 @@
           <a:lstStyle/>
           <a:p>
             <a:r>
-              <a:rPr lang="en-US" sz="1600" dirty="0">
+              <a:rPr lang="en-US" sz="1600">
                 <a:latin typeface="Abadi" panose="020B0604020104020204" pitchFamily="34" charset="0"/>
               </a:rPr>
               <a:t>Classic example: The controversies over the authorship of the Shakespeare Apocrypha.</a:t>
@@ -30794,7 +30864,7 @@
           <a:lstStyle/>
           <a:p>
             <a:r>
-              <a:rPr lang="en-US" sz="2800" dirty="0">
+              <a:rPr lang="en-US" sz="2800">
                 <a:latin typeface="Abadi"/>
               </a:rPr>
               <a:t>Testing and Evaluation Plan</a:t>
@@ -31779,7 +31849,7 @@
                     <a:p>
                       <a:pPr rtl="0" fontAlgn="t"/>
                       <a:r>
-                        <a:rPr lang="en-US" sz="800" b="0" i="0" u="none" strike="noStrike" dirty="0">
+                        <a:rPr lang="en-US" sz="800" b="0" i="0" u="none" strike="noStrike">
                           <a:solidFill>
                             <a:srgbClr val="000000"/>
                           </a:solidFill>
@@ -31789,7 +31859,7 @@
                         <a:t>All tokens conform to BERT tokenizer (</a:t>
                       </a:r>
                       <a:r>
-                        <a:rPr lang="en-US" sz="800" b="0" i="0" u="none" strike="noStrike" dirty="0" err="1">
+                        <a:rPr lang="en-US" sz="800" b="0" i="0" u="none" strike="noStrike" err="1">
                           <a:solidFill>
                             <a:srgbClr val="000000"/>
                           </a:solidFill>
@@ -31799,7 +31869,7 @@
                         <a:t>WordPiece</a:t>
                       </a:r>
                       <a:r>
-                        <a:rPr lang="en-US" sz="800" b="0" i="0" u="none" strike="noStrike" dirty="0">
+                        <a:rPr lang="en-US" sz="800" b="0" i="0" u="none" strike="noStrike">
                           <a:solidFill>
                             <a:srgbClr val="000000"/>
                           </a:solidFill>
@@ -31808,7 +31878,7 @@
                         </a:rPr>
                         <a:t>) rules</a:t>
                       </a:r>
-                      <a:endParaRPr lang="en-US" sz="900" dirty="0">
+                      <a:endParaRPr lang="en-US" sz="900">
                         <a:effectLst/>
                         <a:latin typeface="Arial"/>
                       </a:endParaRPr>
@@ -32307,7 +32377,7 @@
                     <a:p>
                       <a:pPr rtl="0" fontAlgn="t"/>
                       <a:r>
-                        <a:rPr lang="en-US" sz="800" b="0" i="0" u="none" strike="noStrike" dirty="0">
+                        <a:rPr lang="en-US" sz="800" b="0" i="0" u="none" strike="noStrike">
                           <a:solidFill>
                             <a:srgbClr val="000000"/>
                           </a:solidFill>
@@ -32316,7 +32386,7 @@
                         </a:rPr>
                         <a:t>Chunk size 512 tokens</a:t>
                       </a:r>
-                      <a:endParaRPr lang="en-US" sz="900" dirty="0">
+                      <a:endParaRPr lang="en-US" sz="900">
                         <a:effectLst/>
                         <a:latin typeface="Arial"/>
                       </a:endParaRPr>
@@ -32750,7 +32820,7 @@
                     <a:p>
                       <a:pPr rtl="0" fontAlgn="t"/>
                       <a:r>
-                        <a:rPr lang="en-US" sz="800" b="0" i="0" u="none" strike="noStrike" dirty="0">
+                        <a:rPr lang="en-US" sz="800" b="0" i="0" u="none" strike="noStrike">
                           <a:solidFill>
                             <a:srgbClr val="000000"/>
                           </a:solidFill>
@@ -32759,7 +32829,7 @@
                         </a:rPr>
                         <a:t>Inject mimicry-based adversarial examples for testing</a:t>
                       </a:r>
-                      <a:endParaRPr lang="en-US" sz="900" dirty="0">
+                      <a:endParaRPr lang="en-US" sz="900">
                         <a:effectLst/>
                       </a:endParaRPr>
                     </a:p>
@@ -32872,7 +32942,7 @@
                     <a:p>
                       <a:pPr rtl="0" fontAlgn="t"/>
                       <a:r>
-                        <a:rPr lang="en-US" sz="800" b="0" i="0" u="none" strike="noStrike" dirty="0">
+                        <a:rPr lang="en-US" sz="800" b="0" i="0" u="none" strike="noStrike">
                           <a:solidFill>
                             <a:srgbClr val="000000"/>
                           </a:solidFill>
@@ -32881,7 +32951,7 @@
                         </a:rPr>
                         <a:t>Model identifies adversarial different authors.</a:t>
                       </a:r>
-                      <a:endParaRPr lang="en-US" sz="900" dirty="0">
+                      <a:endParaRPr lang="en-US" sz="900">
                         <a:effectLst/>
                       </a:endParaRPr>
                     </a:p>
@@ -33003,7 +33073,7 @@
           <a:lstStyle/>
           <a:p>
             <a:r>
-              <a:rPr lang="en-US" sz="2400" dirty="0">
+              <a:rPr lang="en-US" sz="2400">
                 <a:latin typeface="Abadi" panose="020B0604020104020204" pitchFamily="34" charset="0"/>
               </a:rPr>
               <a:t>Testing and Evaluation Plan Contd.</a:t>
@@ -33079,7 +33149,7 @@
           <a:lstStyle/>
           <a:p>
             <a:r>
-              <a:rPr lang="en-US" sz="2400" dirty="0">
+              <a:rPr lang="en-US" sz="2400">
                 <a:latin typeface="Abadi" panose="020B0604020104020204" pitchFamily="34" charset="0"/>
               </a:rPr>
               <a:t>Testing and Evaluation Plan Contd.</a:t>
@@ -36180,7 +36250,7 @@
                     <a:p>
                       <a:pPr rtl="0" fontAlgn="t"/>
                       <a:r>
-                        <a:rPr lang="en-US" sz="800" b="0" i="0" u="none" strike="noStrike" dirty="0">
+                        <a:rPr lang="en-US" sz="800" b="0" i="0" u="none" strike="noStrike">
                           <a:solidFill>
                             <a:srgbClr val="000000"/>
                           </a:solidFill>
@@ -36189,7 +36259,7 @@
                         </a:rPr>
                         <a:t>Batch scores computed correctly</a:t>
                       </a:r>
-                      <a:endParaRPr lang="en-US" sz="900" dirty="0">
+                      <a:endParaRPr lang="en-US" sz="900">
                         <a:effectLst/>
                       </a:endParaRPr>
                     </a:p>
@@ -36682,7 +36752,7 @@
                     <a:p>
                       <a:pPr rtl="0" fontAlgn="t"/>
                       <a:r>
-                        <a:rPr lang="en-US" sz="800" b="0" i="0" u="none" strike="noStrike" dirty="0">
+                        <a:rPr lang="en-US" sz="800" b="0" i="0" u="none" strike="noStrike">
                           <a:solidFill>
                             <a:srgbClr val="000000"/>
                           </a:solidFill>
@@ -36691,7 +36761,7 @@
                         </a:rPr>
                         <a:t>Correctly flags outliers without overfitting</a:t>
                       </a:r>
-                      <a:endParaRPr lang="en-US" sz="900" dirty="0">
+                      <a:endParaRPr lang="en-US" sz="900">
                         <a:effectLst/>
                       </a:endParaRPr>
                     </a:p>
@@ -36907,7 +36977,7 @@
           <a:lstStyle/>
           <a:p>
             <a:r>
-              <a:rPr lang="en-US" sz="2400" dirty="0">
+              <a:rPr lang="en-US" sz="2400">
                 <a:latin typeface="Abadi" panose="020B0604020104020204" pitchFamily="34" charset="0"/>
               </a:rPr>
               <a:t>Testing and Evaluation Plan Contd.</a:t>
@@ -37025,7 +37095,7 @@
           <a:p>
             <a:pPr algn="l"/>
             <a:r>
-              <a:rPr lang="en-US" sz="2800" dirty="0">
+              <a:rPr lang="en-US" sz="2800">
                 <a:latin typeface="Abadi" panose="020B0604020104020204" pitchFamily="34" charset="0"/>
               </a:rPr>
               <a:t>Expected Achievements</a:t>
@@ -37062,12 +37132,12 @@
               <a:buChar char="Ø"/>
             </a:pPr>
             <a:r>
-              <a:rPr lang="en-US" sz="1600" dirty="0">
+              <a:rPr lang="en-US" sz="1600">
                 <a:latin typeface="Abadi"/>
               </a:rPr>
               <a:t>Possibility to Generalize the Model</a:t>
             </a:r>
-            <a:endParaRPr lang="en-US" sz="1600" dirty="0">
+            <a:endParaRPr lang="en-US" sz="1600">
               <a:latin typeface="Abadi" panose="020B0604020104020204" pitchFamily="34" charset="0"/>
             </a:endParaRPr>
           </a:p>
@@ -37079,7 +37149,7 @@
               <a:buChar char="Ø"/>
             </a:pPr>
             <a:r>
-              <a:rPr lang="en-US" sz="1600" dirty="0">
+              <a:rPr lang="en-US" sz="1600">
                 <a:latin typeface="Abadi"/>
               </a:rPr>
               <a:t>Robustness to Mitigate Shortcomings of Traditional Methods.</a:t>
@@ -37093,7 +37163,7 @@
               <a:buChar char="Ø"/>
             </a:pPr>
             <a:r>
-              <a:rPr lang="en-US" sz="1600" dirty="0">
+              <a:rPr lang="en-US" sz="1600">
                 <a:latin typeface="Abadi"/>
               </a:rPr>
               <a:t>Scalability and Adaptability to Noisy and Fragmented Texts.</a:t>
@@ -37107,7 +37177,7 @@
               <a:buChar char="Ø"/>
             </a:pPr>
             <a:r>
-              <a:rPr lang="en-US" b="1" dirty="0">
+              <a:rPr lang="en-US" b="1">
                 <a:latin typeface="Abadi" panose="020B0604020104020204" pitchFamily="34" charset="0"/>
               </a:rPr>
               <a:t>Provide a Solution to the Shakespeare Apocrypha Controversy.</a:t>
@@ -37120,7 +37190,7 @@
               <a:buFont typeface="Wingdings" panose="05000000000000000000" pitchFamily="2" charset="2"/>
               <a:buChar char="Ø"/>
             </a:pPr>
-            <a:endParaRPr lang="en-US" sz="1500" dirty="0">
+            <a:endParaRPr lang="en-US" sz="1500">
               <a:latin typeface="Abadi" panose="020B0604020104020204" pitchFamily="34" charset="0"/>
             </a:endParaRPr>
           </a:p>
@@ -37177,7 +37247,7 @@
           <a:lstStyle/>
           <a:p>
             <a:r>
-              <a:rPr lang="en-US" sz="2800" dirty="0">
+              <a:rPr lang="en-US" sz="2800">
                 <a:latin typeface="Abadi" panose="020B0604020104020204" pitchFamily="34" charset="0"/>
               </a:rPr>
               <a:t>Conclusions and Future Plans</a:t>
@@ -37214,7 +37284,7 @@
               <a:buChar char="Ø"/>
             </a:pPr>
             <a:r>
-              <a:rPr lang="en-US" dirty="0">
+              <a:rPr lang="en-US">
                 <a:latin typeface="Abadi"/>
               </a:rPr>
               <a:t>Introduced a state-of-the-art neural network for authorship verification.</a:t>
@@ -37228,7 +37298,7 @@
               <a:buChar char="Ø"/>
             </a:pPr>
             <a:r>
-              <a:rPr lang="en-US" dirty="0">
+              <a:rPr lang="en-US">
                 <a:latin typeface="Abadi"/>
               </a:rPr>
               <a:t>Employed a versatile adversarial training technique.</a:t>
@@ -37242,7 +37312,7 @@
               <a:buChar char="Ø"/>
             </a:pPr>
             <a:r>
-              <a:rPr lang="en-US" dirty="0">
+              <a:rPr lang="en-US">
                 <a:latin typeface="Abadi"/>
               </a:rPr>
               <a:t>Innovative inference pipeline based on robust algorithms and techniques.</a:t>
@@ -37256,7 +37326,7 @@
               <a:buChar char="Ø"/>
             </a:pPr>
             <a:r>
-              <a:rPr lang="en-US" dirty="0">
+              <a:rPr lang="en-US">
                 <a:latin typeface="Abadi"/>
               </a:rPr>
               <a:t>Attempted addressal of important limitations of traditional methods.</a:t>
@@ -38373,7 +38443,7 @@
           <a:p>
             <a:pPr defTabSz="457200"/>
             <a:r>
-              <a:rPr lang="en-US" sz="6000" dirty="0"/>
+              <a:rPr lang="en-US" sz="6000"/>
               <a:t>Thanks for Listening</a:t>
             </a:r>
           </a:p>
@@ -38495,7 +38565,7 @@
           <a:lstStyle/>
           <a:p>
             <a:r>
-              <a:rPr lang="en-US" sz="2800" dirty="0">
+              <a:rPr lang="en-US" sz="2800">
                 <a:latin typeface="Abadi" panose="020B0604020104020204" pitchFamily="34" charset="0"/>
               </a:rPr>
               <a:t>Challenges in Traditional Methods</a:t>
@@ -38590,7 +38660,7 @@
               </a:lnSpc>
             </a:pPr>
             <a:r>
-              <a:rPr lang="en-US" sz="2800" dirty="0">
+              <a:rPr lang="en-US" sz="2800">
                 <a:latin typeface="Abadi" panose="020B0604020104020204" pitchFamily="34" charset="0"/>
               </a:rPr>
               <a:t>Proposed Framework</a:t>
@@ -38632,12 +38702,12 @@
               </a:spcAft>
             </a:pPr>
             <a:r>
-              <a:rPr lang="en-US" sz="1600" dirty="0">
+              <a:rPr lang="en-US" sz="1600">
                 <a:latin typeface="Abadi" panose="020B0604020104020204" pitchFamily="34" charset="0"/>
               </a:rPr>
               <a:t>Based on the work of our supervisor Zeev Volkovich:</a:t>
             </a:r>
-            <a:endParaRPr lang="en-US" dirty="0">
+            <a:endParaRPr lang="en-US">
               <a:latin typeface="Abadi" panose="020B0604020104020204" pitchFamily="34" charset="0"/>
             </a:endParaRPr>
           </a:p>
@@ -38648,7 +38718,7 @@
               </a:spcAft>
             </a:pPr>
             <a:r>
-              <a:rPr lang="en-US" sz="1600" dirty="0"/>
+              <a:rPr lang="en-US" sz="1600"/>
               <a:t>Text classification using “Impostor” Projections Method.</a:t>
             </a:r>
           </a:p>
@@ -38659,7 +38729,7 @@
               </a:spcAft>
             </a:pPr>
             <a:r>
-              <a:rPr lang="en-US" sz="1400" dirty="0">
+              <a:rPr lang="en-US" sz="1400">
                 <a:solidFill>
                   <a:schemeClr val="accent4">
                     <a:lumMod val="75000"/>
@@ -38751,7 +38821,7 @@
           <a:lstStyle/>
           <a:p>
             <a:r>
-              <a:rPr lang="en-US" sz="2800" dirty="0">
+              <a:rPr lang="en-US" sz="2800">
                 <a:latin typeface="Abadi" panose="020B0604020104020204" pitchFamily="34" charset="0"/>
               </a:rPr>
               <a:t>The Impostors Projection Method</a:t>
@@ -38788,30 +38858,30 @@
           <a:lstStyle/>
           <a:p>
             <a:r>
-              <a:rPr lang="en-US" sz="1400" dirty="0">
+              <a:rPr lang="en-US" sz="1400">
                 <a:latin typeface="Abadi"/>
               </a:rPr>
               <a:t>The </a:t>
             </a:r>
             <a:r>
-              <a:rPr lang="en-US" sz="1400" b="1" dirty="0">
+              <a:rPr lang="en-US" sz="1400" b="1">
                 <a:latin typeface="Abadi"/>
               </a:rPr>
               <a:t>Impostors Method </a:t>
             </a:r>
             <a:r>
-              <a:rPr lang="en-US" sz="1400" dirty="0">
+              <a:rPr lang="en-US" sz="1400">
                 <a:latin typeface="Abadi"/>
               </a:rPr>
               <a:t>checks whether document X is stylistically more similar to document Y than each of the impostors' documents taken from a given collection, such that the evaluation is performed resting upon a collection of randomly chosen feature subsets.</a:t>
             </a:r>
             <a:br>
-              <a:rPr lang="en-US" sz="1400" dirty="0">
+              <a:rPr lang="en-US" sz="1400">
                 <a:latin typeface="Abadi"/>
               </a:rPr>
             </a:br>
             <a:r>
-              <a:rPr lang="en-US" sz="1400" dirty="0">
+              <a:rPr lang="en-US" sz="1400">
                 <a:latin typeface="Abadi"/>
               </a:rPr>
               <a:t>The “similarity” of X to Y is the fraction of the scores where X and Y are “closer” to each other than to the impostors set.</a:t>
@@ -38901,7 +38971,7 @@
           <a:lstStyle/>
           <a:p>
             <a:r>
-              <a:rPr lang="en-US" sz="2800" dirty="0">
+              <a:rPr lang="en-US" sz="2800">
                 <a:latin typeface="Abadi"/>
               </a:rPr>
               <a:t>The "Deep" Impostors Projection Method</a:t>
@@ -39111,7 +39181,7 @@
           <a:lstStyle/>
           <a:p>
             <a:r>
-              <a:rPr lang="en-US" sz="2800" dirty="0">
+              <a:rPr lang="en-US" sz="2800">
                 <a:latin typeface="Abadi" panose="020B0604020104020204" pitchFamily="34" charset="0"/>
               </a:rPr>
               <a:t>Proposed Siamese Model Architecture</a:t>
@@ -39431,7 +39501,7 @@
           <a:lstStyle/>
           <a:p>
             <a:r>
-              <a:rPr lang="en-US" sz="2800" dirty="0">
+              <a:rPr lang="en-US" sz="2800">
                 <a:latin typeface="Abadi" panose="020B0604020104020204" pitchFamily="34" charset="0"/>
               </a:rPr>
               <a:t>Procedure</a:t>
@@ -39474,7 +39544,7 @@
               <a:buNone/>
             </a:pPr>
             <a:r>
-              <a:rPr lang="en-US" sz="1000" dirty="0">
+              <a:rPr lang="en-US" sz="1000">
                 <a:latin typeface="Abadi"/>
               </a:rPr>
               <a:t>Anomaly Scores = []</a:t>
@@ -39488,7 +39558,7 @@
               <a:buNone/>
             </a:pPr>
             <a:r>
-              <a:rPr lang="en-US" sz="1000" dirty="0">
+              <a:rPr lang="en-US" sz="1000">
                 <a:latin typeface="Abadi"/>
               </a:rPr>
               <a:t>For each impostor pair:</a:t>
@@ -39502,7 +39572,7 @@
               <a:buNone/>
             </a:pPr>
             <a:r>
-              <a:rPr lang="en-US" sz="1000" dirty="0">
+              <a:rPr lang="en-US" sz="1000">
                 <a:latin typeface="Abadi"/>
               </a:rPr>
               <a:t>	Pre-process and divide into batches &amp; chunks.</a:t>
@@ -39516,7 +39586,7 @@
               <a:buNone/>
             </a:pPr>
             <a:r>
-              <a:rPr lang="en-US" sz="1000" dirty="0">
+              <a:rPr lang="en-US" sz="1000">
                 <a:latin typeface="Abadi"/>
               </a:rPr>
               <a:t>	Train a Siamese network.</a:t>
@@ -39530,7 +39600,7 @@
               <a:buNone/>
             </a:pPr>
             <a:r>
-              <a:rPr lang="en-US" sz="1000" dirty="0">
+              <a:rPr lang="en-US" sz="1000">
                 <a:latin typeface="Abadi"/>
               </a:rPr>
               <a:t>    Assign chunks of the tested collection texts</a:t>
@@ -39544,7 +39614,7 @@
               <a:buNone/>
             </a:pPr>
             <a:r>
-              <a:rPr lang="en-US" sz="1000" dirty="0">
+              <a:rPr lang="en-US" sz="1000">
                 <a:latin typeface="Abadi"/>
               </a:rPr>
               <a:t>	Signal construction and aggregation to produce signal representation.</a:t>
@@ -39558,7 +39628,7 @@
               <a:buNone/>
             </a:pPr>
             <a:r>
-              <a:rPr lang="en-US" sz="1000" dirty="0">
+              <a:rPr lang="en-US" sz="1000">
                 <a:latin typeface="Abadi"/>
               </a:rPr>
               <a:t>	DTW algorithm.</a:t>
@@ -39572,7 +39642,7 @@
               <a:buNone/>
             </a:pPr>
             <a:r>
-              <a:rPr lang="en-US" sz="1000" dirty="0">
+              <a:rPr lang="en-US" sz="1000">
                 <a:latin typeface="Abadi"/>
               </a:rPr>
               <a:t>	Anomaly scores vector produced by the Isolation Forest algorithm run 	over a DTW matrix.</a:t>
@@ -39586,7 +39656,7 @@
               <a:buNone/>
             </a:pPr>
             <a:r>
-              <a:rPr lang="en-US" sz="1000" dirty="0">
+              <a:rPr lang="en-US" sz="1000">
                 <a:latin typeface="Abadi"/>
               </a:rPr>
               <a:t>	Append vector to Anomaly Scores list.</a:t>
@@ -39600,7 +39670,7 @@
               <a:buNone/>
             </a:pPr>
             <a:r>
-              <a:rPr lang="en-US" sz="1000" dirty="0">
+              <a:rPr lang="en-US" sz="1000">
                 <a:latin typeface="Abadi"/>
               </a:rPr>
               <a:t>Clustering algorithm K-Medoids; K = 2, to provide categorization of the texts into groups of interest.</a:t>
@@ -39760,7 +39830,7 @@
               </a:lnSpc>
             </a:pPr>
             <a:r>
-              <a:rPr lang="en-US" sz="1000" dirty="0">
+              <a:rPr lang="en-US" sz="1000">
                 <a:latin typeface="Abadi"/>
               </a:rPr>
               <a:t>For each impostors' chunk pair:</a:t>
@@ -39775,7 +39845,7 @@
               <a:buChar char="o"/>
             </a:pPr>
             <a:r>
-              <a:rPr lang="en-US" sz="1000" dirty="0">
+              <a:rPr lang="en-US" sz="1000">
                 <a:latin typeface="Abadi" panose="020B0604020104020204" pitchFamily="34" charset="0"/>
               </a:rPr>
               <a:t>Embeddings generation.</a:t>
@@ -39790,7 +39860,7 @@
               <a:buChar char="o"/>
             </a:pPr>
             <a:r>
-              <a:rPr lang="en-US" sz="1000" dirty="0">
+              <a:rPr lang="en-US" sz="1000">
                 <a:latin typeface="Abadi" panose="020B0604020104020204" pitchFamily="34" charset="0"/>
               </a:rPr>
               <a:t>Feature extraction, retention and embedding refinement.</a:t>
@@ -39805,7 +39875,7 @@
               <a:buChar char="o"/>
             </a:pPr>
             <a:r>
-              <a:rPr lang="en-US" sz="1000" dirty="0">
+              <a:rPr lang="en-US" sz="1000">
                 <a:latin typeface="Abadi"/>
               </a:rPr>
               <a:t>Pair comparison to produce pairwise similarity and label the chunk pair.</a:t>
@@ -40453,14 +40523,6 @@
 </file>
 
 <file path=customXml/item2.xml><?xml version="1.0" encoding="utf-8"?>
-<p:properties xmlns:p="http://schemas.microsoft.com/office/2006/metadata/properties" xmlns:xsi="http://www.w3.org/2001/XMLSchema-instance" xmlns:pc="http://schemas.microsoft.com/office/infopath/2007/PartnerControls">
-  <documentManagement>
-    <_activity xmlns="78d7ce61-d827-4633-bce6-b4c9989d4faf" xsi:nil="true"/>
-  </documentManagement>
-</p:properties>
-</file>
-
-<file path=customXml/item3.xml><?xml version="1.0" encoding="utf-8"?>
 <ct:contentTypeSchema xmlns:ct="http://schemas.microsoft.com/office/2006/metadata/contentType" xmlns:ma="http://schemas.microsoft.com/office/2006/metadata/properties/metaAttributes" ct:_="" ma:_="" ma:contentTypeName="Document" ma:contentTypeID="0x010100E8A6D11DD46A124E839DF2970E8A69DF" ma:contentTypeVersion="10" ma:contentTypeDescription="Create a new document." ma:contentTypeScope="" ma:versionID="21f4e1827404454584b972b9bdd2a30d">
   <xsd:schema xmlns:xsd="http://www.w3.org/2001/XMLSchema" xmlns:xs="http://www.w3.org/2001/XMLSchema" xmlns:p="http://schemas.microsoft.com/office/2006/metadata/properties" xmlns:ns3="78d7ce61-d827-4633-bce6-b4c9989d4faf" targetNamespace="http://schemas.microsoft.com/office/2006/metadata/properties" ma:root="true" ma:fieldsID="66ce90ed191c007a59501ce73aa13cda" ns3:_="">
     <xsd:import namespace="78d7ce61-d827-4633-bce6-b4c9989d4faf"/>
@@ -40642,6 +40704,14 @@
 </ct:contentTypeSchema>
 </file>
 
+<file path=customXml/item3.xml><?xml version="1.0" encoding="utf-8"?>
+<p:properties xmlns:p="http://schemas.microsoft.com/office/2006/metadata/properties" xmlns:xsi="http://www.w3.org/2001/XMLSchema-instance" xmlns:pc="http://schemas.microsoft.com/office/infopath/2007/PartnerControls">
+  <documentManagement>
+    <_activity xmlns="78d7ce61-d827-4633-bce6-b4c9989d4faf" xsi:nil="true"/>
+  </documentManagement>
+</p:properties>
+</file>
+
 <file path=customXml/itemProps1.xml><?xml version="1.0" encoding="utf-8"?>
 <ds:datastoreItem xmlns:ds="http://schemas.openxmlformats.org/officeDocument/2006/customXml" ds:itemID="{1B767800-9859-4019-A317-455A0E631484}">
   <ds:schemaRefs>
@@ -40651,35 +40721,35 @@
 </file>
 
 <file path=customXml/itemProps2.xml><?xml version="1.0" encoding="utf-8"?>
-<ds:datastoreItem xmlns:ds="http://schemas.openxmlformats.org/officeDocument/2006/customXml" ds:itemID="{52EC9DE8-FD97-4C12-B059-6548384D3CEC}">
+<ds:datastoreItem xmlns:ds="http://schemas.openxmlformats.org/officeDocument/2006/customXml" ds:itemID="{20CDF1B5-BFDF-46FE-8193-21AAD69765E6}">
   <ds:schemaRefs>
-    <ds:schemaRef ds:uri="http://schemas.openxmlformats.org/package/2006/metadata/core-properties"/>
-    <ds:schemaRef ds:uri="http://schemas.microsoft.com/office/2006/documentManagement/types"/>
+    <ds:schemaRef ds:uri="78d7ce61-d827-4633-bce6-b4c9989d4faf"/>
     <ds:schemaRef ds:uri="http://purl.org/dc/elements/1.1/"/>
     <ds:schemaRef ds:uri="http://purl.org/dc/terms/"/>
-    <ds:schemaRef ds:uri="http://www.w3.org/XML/1998/namespace"/>
+    <ds:schemaRef ds:uri="http://schemas.microsoft.com/internal/obd"/>
+    <ds:schemaRef ds:uri="http://schemas.microsoft.com/office/2006/documentManagement/types"/>
+    <ds:schemaRef ds:uri="http://schemas.microsoft.com/office/2006/metadata/contentType"/>
+    <ds:schemaRef ds:uri="http://schemas.microsoft.com/office/2006/metadata/properties"/>
+    <ds:schemaRef ds:uri="http://schemas.microsoft.com/office/2006/metadata/properties/metaAttributes"/>
     <ds:schemaRef ds:uri="http://schemas.microsoft.com/office/infopath/2007/PartnerControls"/>
-    <ds:schemaRef ds:uri="http://purl.org/dc/dcmitype/"/>
-    <ds:schemaRef ds:uri="78d7ce61-d827-4633-bce6-b4c9989d4faf"/>
-    <ds:schemaRef ds:uri="http://schemas.microsoft.com/office/2006/metadata/properties"/>
+    <ds:schemaRef ds:uri="http://schemas.openxmlformats.org/package/2006/metadata/core-properties"/>
+    <ds:schemaRef ds:uri="http://www.w3.org/2001/XMLSchema"/>
   </ds:schemaRefs>
 </ds:datastoreItem>
 </file>
 
 <file path=customXml/itemProps3.xml><?xml version="1.0" encoding="utf-8"?>
-<ds:datastoreItem xmlns:ds="http://schemas.openxmlformats.org/officeDocument/2006/customXml" ds:itemID="{20CDF1B5-BFDF-46FE-8193-21AAD69765E6}">
+<ds:datastoreItem xmlns:ds="http://schemas.openxmlformats.org/officeDocument/2006/customXml" ds:itemID="{52EC9DE8-FD97-4C12-B059-6548384D3CEC}">
   <ds:schemaRefs>
-    <ds:schemaRef ds:uri="http://schemas.microsoft.com/office/2006/metadata/contentType"/>
-    <ds:schemaRef ds:uri="http://schemas.microsoft.com/office/2006/metadata/properties/metaAttributes"/>
-    <ds:schemaRef ds:uri="http://www.w3.org/2001/XMLSchema"/>
+    <ds:schemaRef ds:uri="78d7ce61-d827-4633-bce6-b4c9989d4faf"/>
+    <ds:schemaRef ds:uri="http://purl.org/dc/dcmitype/"/>
+    <ds:schemaRef ds:uri="http://purl.org/dc/elements/1.1/"/>
+    <ds:schemaRef ds:uri="http://purl.org/dc/terms/"/>
+    <ds:schemaRef ds:uri="http://schemas.microsoft.com/office/2006/documentManagement/types"/>
     <ds:schemaRef ds:uri="http://schemas.microsoft.com/office/2006/metadata/properties"/>
-    <ds:schemaRef ds:uri="78d7ce61-d827-4633-bce6-b4c9989d4faf"/>
-    <ds:schemaRef ds:uri="http://schemas.microsoft.com/office/2006/documentManagement/types"/>
     <ds:schemaRef ds:uri="http://schemas.microsoft.com/office/infopath/2007/PartnerControls"/>
     <ds:schemaRef ds:uri="http://schemas.openxmlformats.org/package/2006/metadata/core-properties"/>
-    <ds:schemaRef ds:uri="http://purl.org/dc/elements/1.1/"/>
-    <ds:schemaRef ds:uri="http://purl.org/dc/terms/"/>
-    <ds:schemaRef ds:uri="http://schemas.microsoft.com/internal/obd"/>
+    <ds:schemaRef ds:uri="http://www.w3.org/XML/1998/namespace"/>
   </ds:schemaRefs>
 </ds:datastoreItem>
 </file>